--- a/Docs/IA_OneDay_Azure.pptx
+++ b/Docs/IA_OneDay_Azure.pptx
@@ -6,7 +6,7 @@
     <p:sldMasterId id="2147483671" r:id="rId5"/>
   </p:sldMasterIdLst>
   <p:notesMasterIdLst>
-    <p:notesMasterId r:id="rId39"/>
+    <p:notesMasterId r:id="rId38"/>
   </p:notesMasterIdLst>
   <p:sldIdLst>
     <p:sldId id="256" r:id="rId6"/>
@@ -31,17 +31,16 @@
     <p:sldId id="300" r:id="rId25"/>
     <p:sldId id="301" r:id="rId26"/>
     <p:sldId id="302" r:id="rId27"/>
-    <p:sldId id="284" r:id="rId28"/>
-    <p:sldId id="287" r:id="rId29"/>
-    <p:sldId id="304" r:id="rId30"/>
-    <p:sldId id="288" r:id="rId31"/>
-    <p:sldId id="289" r:id="rId32"/>
-    <p:sldId id="290" r:id="rId33"/>
-    <p:sldId id="291" r:id="rId34"/>
-    <p:sldId id="292" r:id="rId35"/>
-    <p:sldId id="305" r:id="rId36"/>
-    <p:sldId id="293" r:id="rId37"/>
-    <p:sldId id="294" r:id="rId38"/>
+    <p:sldId id="287" r:id="rId28"/>
+    <p:sldId id="304" r:id="rId29"/>
+    <p:sldId id="288" r:id="rId30"/>
+    <p:sldId id="289" r:id="rId31"/>
+    <p:sldId id="290" r:id="rId32"/>
+    <p:sldId id="291" r:id="rId33"/>
+    <p:sldId id="292" r:id="rId34"/>
+    <p:sldId id="305" r:id="rId35"/>
+    <p:sldId id="293" r:id="rId36"/>
+    <p:sldId id="294" r:id="rId37"/>
   </p:sldIdLst>
   <p:sldSz cx="12192000" cy="6858000"/>
   <p:notesSz cx="7010400" cy="9236075"/>
@@ -241,7 +240,7 @@
           <a:p>
             <a:fld id="{0AFB4FA7-6698-4913-BA29-C460E114679D}" type="datetimeFigureOut">
               <a:rPr lang="en-US" smtClean="0"/>
-              <a:t>11/2/2017</a:t>
+              <a:t>11/3/2017</a:t>
             </a:fld>
             <a:endParaRPr lang="en-US"/>
           </a:p>
@@ -636,6 +635,180 @@
           <a:bodyPr/>
           <a:lstStyle/>
           <a:p>
+            <a:endParaRPr lang="en-US" dirty="0"/>
+          </a:p>
+        </p:txBody>
+      </p:sp>
+      <p:sp>
+        <p:nvSpPr>
+          <p:cNvPr id="4" name="Slide Number Placeholder 3"/>
+          <p:cNvSpPr>
+            <a:spLocks noGrp="1"/>
+          </p:cNvSpPr>
+          <p:nvPr>
+            <p:ph type="sldNum" sz="quarter" idx="10"/>
+          </p:nvPr>
+        </p:nvSpPr>
+        <p:spPr/>
+        <p:txBody>
+          <a:bodyPr/>
+          <a:lstStyle/>
+          <a:p>
+            <a:fld id="{90B89A53-0292-4EC4-8C04-6A9666334183}" type="slidenum">
+              <a:rPr lang="en-US" smtClean="0"/>
+              <a:t>17</a:t>
+            </a:fld>
+            <a:endParaRPr lang="en-US"/>
+          </a:p>
+        </p:txBody>
+      </p:sp>
+    </p:spTree>
+    <p:extLst>
+      <p:ext uri="{BB962C8B-B14F-4D97-AF65-F5344CB8AC3E}">
+        <p14:creationId xmlns:p14="http://schemas.microsoft.com/office/powerpoint/2010/main" val="1402966935"/>
+      </p:ext>
+    </p:extLst>
+  </p:cSld>
+  <p:clrMapOvr>
+    <a:masterClrMapping/>
+  </p:clrMapOvr>
+</p:notes>
+</file>
+
+<file path=ppt/notesSlides/notesSlide11.xml><?xml version="1.0" encoding="utf-8"?>
+<p:notes xmlns:a="http://schemas.openxmlformats.org/drawingml/2006/main" xmlns:r="http://schemas.openxmlformats.org/officeDocument/2006/relationships" xmlns:p="http://schemas.openxmlformats.org/presentationml/2006/main">
+  <p:cSld>
+    <p:spTree>
+      <p:nvGrpSpPr>
+        <p:cNvPr id="1" name=""/>
+        <p:cNvGrpSpPr/>
+        <p:nvPr/>
+      </p:nvGrpSpPr>
+      <p:grpSpPr>
+        <a:xfrm>
+          <a:off x="0" y="0"/>
+          <a:ext cx="0" cy="0"/>
+          <a:chOff x="0" y="0"/>
+          <a:chExt cx="0" cy="0"/>
+        </a:xfrm>
+      </p:grpSpPr>
+      <p:sp>
+        <p:nvSpPr>
+          <p:cNvPr id="2" name="Slide Image Placeholder 1"/>
+          <p:cNvSpPr>
+            <a:spLocks noGrp="1" noRot="1" noChangeAspect="1"/>
+          </p:cNvSpPr>
+          <p:nvPr>
+            <p:ph type="sldImg"/>
+          </p:nvPr>
+        </p:nvSpPr>
+        <p:spPr/>
+      </p:sp>
+      <p:sp>
+        <p:nvSpPr>
+          <p:cNvPr id="3" name="Notes Placeholder 2"/>
+          <p:cNvSpPr>
+            <a:spLocks noGrp="1"/>
+          </p:cNvSpPr>
+          <p:nvPr>
+            <p:ph type="body" idx="1"/>
+          </p:nvPr>
+        </p:nvSpPr>
+        <p:spPr/>
+        <p:txBody>
+          <a:bodyPr/>
+          <a:lstStyle/>
+          <a:p>
+            <a:r>
+              <a:rPr lang="en-US" dirty="0"/>
+              <a:t>Custom queries against real time logs, visualize data, auto identification of outliers </a:t>
+            </a:r>
+          </a:p>
+          <a:p>
+            <a:endParaRPr lang="en-US" dirty="0"/>
+          </a:p>
+        </p:txBody>
+      </p:sp>
+      <p:sp>
+        <p:nvSpPr>
+          <p:cNvPr id="4" name="Slide Number Placeholder 3"/>
+          <p:cNvSpPr>
+            <a:spLocks noGrp="1"/>
+          </p:cNvSpPr>
+          <p:nvPr>
+            <p:ph type="sldNum" sz="quarter" idx="10"/>
+          </p:nvPr>
+        </p:nvSpPr>
+        <p:spPr/>
+        <p:txBody>
+          <a:bodyPr/>
+          <a:lstStyle/>
+          <a:p>
+            <a:fld id="{90B89A53-0292-4EC4-8C04-6A9666334183}" type="slidenum">
+              <a:rPr lang="en-US" smtClean="0"/>
+              <a:t>20</a:t>
+            </a:fld>
+            <a:endParaRPr lang="en-US"/>
+          </a:p>
+        </p:txBody>
+      </p:sp>
+    </p:spTree>
+    <p:extLst>
+      <p:ext uri="{BB962C8B-B14F-4D97-AF65-F5344CB8AC3E}">
+        <p14:creationId xmlns:p14="http://schemas.microsoft.com/office/powerpoint/2010/main" val="2697011663"/>
+      </p:ext>
+    </p:extLst>
+  </p:cSld>
+  <p:clrMapOvr>
+    <a:masterClrMapping/>
+  </p:clrMapOvr>
+</p:notes>
+</file>
+
+<file path=ppt/notesSlides/notesSlide12.xml><?xml version="1.0" encoding="utf-8"?>
+<p:notes xmlns:a="http://schemas.openxmlformats.org/drawingml/2006/main" xmlns:r="http://schemas.openxmlformats.org/officeDocument/2006/relationships" xmlns:p="http://schemas.openxmlformats.org/presentationml/2006/main">
+  <p:cSld>
+    <p:spTree>
+      <p:nvGrpSpPr>
+        <p:cNvPr id="1" name=""/>
+        <p:cNvGrpSpPr/>
+        <p:nvPr/>
+      </p:nvGrpSpPr>
+      <p:grpSpPr>
+        <a:xfrm>
+          <a:off x="0" y="0"/>
+          <a:ext cx="0" cy="0"/>
+          <a:chOff x="0" y="0"/>
+          <a:chExt cx="0" cy="0"/>
+        </a:xfrm>
+      </p:grpSpPr>
+      <p:sp>
+        <p:nvSpPr>
+          <p:cNvPr id="2" name="Slide Image Placeholder 1"/>
+          <p:cNvSpPr>
+            <a:spLocks noGrp="1" noRot="1" noChangeAspect="1"/>
+          </p:cNvSpPr>
+          <p:nvPr>
+            <p:ph type="sldImg"/>
+          </p:nvPr>
+        </p:nvSpPr>
+        <p:spPr/>
+      </p:sp>
+      <p:sp>
+        <p:nvSpPr>
+          <p:cNvPr id="3" name="Notes Placeholder 2"/>
+          <p:cNvSpPr>
+            <a:spLocks noGrp="1"/>
+          </p:cNvSpPr>
+          <p:nvPr>
+            <p:ph type="body" idx="1"/>
+          </p:nvPr>
+        </p:nvSpPr>
+        <p:spPr/>
+        <p:txBody>
+          <a:bodyPr/>
+          <a:lstStyle/>
+          <a:p>
             <a:r>
               <a:rPr lang="en-US" dirty="0"/>
               <a:t>Automatic investigation into what may have caused the issue</a:t>
@@ -679,7 +852,7 @@
 </p:notes>
 </file>
 
-<file path=ppt/notesSlides/notesSlide11.xml><?xml version="1.0" encoding="utf-8"?>
+<file path=ppt/notesSlides/notesSlide13.xml><?xml version="1.0" encoding="utf-8"?>
 <p:notes xmlns:a="http://schemas.openxmlformats.org/drawingml/2006/main" xmlns:r="http://schemas.openxmlformats.org/officeDocument/2006/relationships" xmlns:p="http://schemas.openxmlformats.org/presentationml/2006/main">
   <p:cSld>
     <p:spTree>
@@ -893,7 +1066,7 @@
           <a:p>
             <a:r>
               <a:rPr lang="en-US" dirty="0"/>
-              <a:t>https://stackify.com/azure-deployment-slots/</a:t>
+              <a:t>Also mention SaaS – Office 365, SharePoint Online</a:t>
             </a:r>
           </a:p>
         </p:txBody>
@@ -915,7 +1088,7 @@
           <a:p>
             <a:fld id="{90B89A53-0292-4EC4-8C04-6A9666334183}" type="slidenum">
               <a:rPr lang="en-US" smtClean="0"/>
-              <a:t>8</a:t>
+              <a:t>4</a:t>
             </a:fld>
             <a:endParaRPr lang="en-US"/>
           </a:p>
@@ -924,7 +1097,7 @@
     </p:spTree>
     <p:extLst>
       <p:ext uri="{BB962C8B-B14F-4D97-AF65-F5344CB8AC3E}">
-        <p14:creationId xmlns:p14="http://schemas.microsoft.com/office/powerpoint/2010/main" val="400625671"/>
+        <p14:creationId xmlns:p14="http://schemas.microsoft.com/office/powerpoint/2010/main" val="390511031"/>
       </p:ext>
     </p:extLst>
   </p:cSld>
@@ -980,7 +1153,7 @@
           <a:p>
             <a:r>
               <a:rPr lang="en-US" dirty="0"/>
-              <a:t>https://docs.microsoft.com/en-us/azure/azure-functions/functions-triggers-bindings</a:t>
+              <a:t>VSTS – VSO, TFS</a:t>
             </a:r>
           </a:p>
         </p:txBody>
@@ -1002,7 +1175,7 @@
           <a:p>
             <a:fld id="{90B89A53-0292-4EC4-8C04-6A9666334183}" type="slidenum">
               <a:rPr lang="en-US" smtClean="0"/>
-              <a:t>12</a:t>
+              <a:t>5</a:t>
             </a:fld>
             <a:endParaRPr lang="en-US"/>
           </a:p>
@@ -1011,7 +1184,7 @@
     </p:spTree>
     <p:extLst>
       <p:ext uri="{BB962C8B-B14F-4D97-AF65-F5344CB8AC3E}">
-        <p14:creationId xmlns:p14="http://schemas.microsoft.com/office/powerpoint/2010/main" val="1467193856"/>
+        <p14:creationId xmlns:p14="http://schemas.microsoft.com/office/powerpoint/2010/main" val="1181971065"/>
       </p:ext>
     </p:extLst>
   </p:cSld>
@@ -1067,7 +1240,7 @@
           <a:p>
             <a:r>
               <a:rPr lang="en-US" dirty="0"/>
-              <a:t>Don’t really want to spend much time here, more that it is SQL Server in the cloud, and while not everything works the same as SQL on premises it’s not too far off either.</a:t>
+              <a:t>https://stackify.com/azure-deployment-slots/</a:t>
             </a:r>
           </a:p>
         </p:txBody>
@@ -1089,7 +1262,7 @@
           <a:p>
             <a:fld id="{90B89A53-0292-4EC4-8C04-6A9666334183}" type="slidenum">
               <a:rPr lang="en-US" smtClean="0"/>
-              <a:t>13</a:t>
+              <a:t>8</a:t>
             </a:fld>
             <a:endParaRPr lang="en-US"/>
           </a:p>
@@ -1098,7 +1271,7 @@
     </p:spTree>
     <p:extLst>
       <p:ext uri="{BB962C8B-B14F-4D97-AF65-F5344CB8AC3E}">
-        <p14:creationId xmlns:p14="http://schemas.microsoft.com/office/powerpoint/2010/main" val="2078825044"/>
+        <p14:creationId xmlns:p14="http://schemas.microsoft.com/office/powerpoint/2010/main" val="400625671"/>
       </p:ext>
     </p:extLst>
   </p:cSld>
@@ -1154,7 +1327,7 @@
           <a:p>
             <a:r>
               <a:rPr lang="en-US" dirty="0"/>
-              <a:t>Quick example of when each NOSQL options makes the most sense; most of the details here will come in on the demo – scaling, indexing, working with spatial data</a:t>
+              <a:t>https://docs.microsoft.com/en-us/azure/azure-functions/functions-triggers-bindings</a:t>
             </a:r>
           </a:p>
         </p:txBody>
@@ -1176,7 +1349,7 @@
           <a:p>
             <a:fld id="{90B89A53-0292-4EC4-8C04-6A9666334183}" type="slidenum">
               <a:rPr lang="en-US" smtClean="0"/>
-              <a:t>14</a:t>
+              <a:t>12</a:t>
             </a:fld>
             <a:endParaRPr lang="en-US"/>
           </a:p>
@@ -1185,7 +1358,7 @@
     </p:spTree>
     <p:extLst>
       <p:ext uri="{BB962C8B-B14F-4D97-AF65-F5344CB8AC3E}">
-        <p14:creationId xmlns:p14="http://schemas.microsoft.com/office/powerpoint/2010/main" val="2870683294"/>
+        <p14:creationId xmlns:p14="http://schemas.microsoft.com/office/powerpoint/2010/main" val="1467193856"/>
       </p:ext>
     </p:extLst>
   </p:cSld>
@@ -1241,13 +1414,7 @@
           <a:p>
             <a:r>
               <a:rPr lang="en-US" dirty="0"/>
-              <a:t>Size limit: (Fits Claim-Check Pattern)</a:t>
-            </a:r>
-          </a:p>
-          <a:p>
-            <a:r>
-              <a:rPr lang="en-US" dirty="0"/>
-              <a:t>https://docs.microsoft.com/en-us/azure/event-hubs/event-hubs-capture-overview</a:t>
+              <a:t>Don’t really want to spend much time here, more that it is SQL Server in the cloud, and while not everything works the same as SQL on premises it’s not too far off either.</a:t>
             </a:r>
           </a:p>
         </p:txBody>
@@ -1269,16 +1436,16 @@
           <a:p>
             <a:fld id="{90B89A53-0292-4EC4-8C04-6A9666334183}" type="slidenum">
               <a:rPr lang="en-US" smtClean="0"/>
-              <a:t>15</a:t>
+              <a:t>13</a:t>
             </a:fld>
-            <a:endParaRPr lang="en-US" dirty="0"/>
+            <a:endParaRPr lang="en-US"/>
           </a:p>
         </p:txBody>
       </p:sp>
     </p:spTree>
     <p:extLst>
       <p:ext uri="{BB962C8B-B14F-4D97-AF65-F5344CB8AC3E}">
-        <p14:creationId xmlns:p14="http://schemas.microsoft.com/office/powerpoint/2010/main" val="767021246"/>
+        <p14:creationId xmlns:p14="http://schemas.microsoft.com/office/powerpoint/2010/main" val="2078825044"/>
       </p:ext>
     </p:extLst>
   </p:cSld>
@@ -1332,7 +1499,10 @@
           <a:bodyPr/>
           <a:lstStyle/>
           <a:p>
-            <a:endParaRPr lang="en-US" dirty="0"/>
+            <a:r>
+              <a:rPr lang="en-US" dirty="0"/>
+              <a:t>Quick example of when each NOSQL options makes the most sense; most of the details here will come in on the demo – scaling, indexing, working with spatial data</a:t>
+            </a:r>
           </a:p>
         </p:txBody>
       </p:sp>
@@ -1353,7 +1523,7 @@
           <a:p>
             <a:fld id="{90B89A53-0292-4EC4-8C04-6A9666334183}" type="slidenum">
               <a:rPr lang="en-US" smtClean="0"/>
-              <a:t>17</a:t>
+              <a:t>14</a:t>
             </a:fld>
             <a:endParaRPr lang="en-US"/>
           </a:p>
@@ -1362,7 +1532,7 @@
     </p:spTree>
     <p:extLst>
       <p:ext uri="{BB962C8B-B14F-4D97-AF65-F5344CB8AC3E}">
-        <p14:creationId xmlns:p14="http://schemas.microsoft.com/office/powerpoint/2010/main" val="1402966935"/>
+        <p14:creationId xmlns:p14="http://schemas.microsoft.com/office/powerpoint/2010/main" val="2870683294"/>
       </p:ext>
     </p:extLst>
   </p:cSld>
@@ -1418,11 +1588,14 @@
           <a:p>
             <a:r>
               <a:rPr lang="en-US" dirty="0"/>
-              <a:t>Custom queries against real time logs, visualize data, auto identification of outliers </a:t>
-            </a:r>
-          </a:p>
-          <a:p>
-            <a:endParaRPr lang="en-US" dirty="0"/>
+              <a:t>Size limit: (Fits Claim-Check Pattern)</a:t>
+            </a:r>
+          </a:p>
+          <a:p>
+            <a:r>
+              <a:rPr lang="en-US" dirty="0"/>
+              <a:t>https://docs.microsoft.com/en-us/azure/event-hubs/event-hubs-capture-overview</a:t>
+            </a:r>
           </a:p>
         </p:txBody>
       </p:sp>
@@ -1443,16 +1616,16 @@
           <a:p>
             <a:fld id="{90B89A53-0292-4EC4-8C04-6A9666334183}" type="slidenum">
               <a:rPr lang="en-US" smtClean="0"/>
-              <a:t>20</a:t>
+              <a:t>15</a:t>
             </a:fld>
-            <a:endParaRPr lang="en-US"/>
+            <a:endParaRPr lang="en-US" dirty="0"/>
           </a:p>
         </p:txBody>
       </p:sp>
     </p:spTree>
     <p:extLst>
       <p:ext uri="{BB962C8B-B14F-4D97-AF65-F5344CB8AC3E}">
-        <p14:creationId xmlns:p14="http://schemas.microsoft.com/office/powerpoint/2010/main" val="2697011663"/>
+        <p14:creationId xmlns:p14="http://schemas.microsoft.com/office/powerpoint/2010/main" val="767021246"/>
       </p:ext>
     </p:extLst>
   </p:cSld>
@@ -1995,7 +2168,7 @@
             <a:fld id="{B61BEF0D-F0BB-DE4B-95CE-6DB70DBA9567}" type="datetimeFigureOut">
               <a:rPr lang="en-US" smtClean="0"/>
               <a:pPr/>
-              <a:t>11/2/2017</a:t>
+              <a:t>11/3/2017</a:t>
             </a:fld>
             <a:endParaRPr lang="en-US"/>
           </a:p>
@@ -2330,7 +2503,7 @@
             <a:fld id="{B61BEF0D-F0BB-DE4B-95CE-6DB70DBA9567}" type="datetimeFigureOut">
               <a:rPr lang="en-US" dirty="0"/>
               <a:pPr/>
-              <a:t>11/2/2017</a:t>
+              <a:t>11/3/2017</a:t>
             </a:fld>
             <a:endParaRPr lang="en-US"/>
           </a:p>
@@ -2619,7 +2792,7 @@
             <a:fld id="{B61BEF0D-F0BB-DE4B-95CE-6DB70DBA9567}" type="datetimeFigureOut">
               <a:rPr lang="en-US" dirty="0"/>
               <a:pPr/>
-              <a:t>11/2/2017</a:t>
+              <a:t>11/3/2017</a:t>
             </a:fld>
             <a:endParaRPr lang="en-US"/>
           </a:p>
@@ -2866,7 +3039,7 @@
             <a:fld id="{B61BEF0D-F0BB-DE4B-95CE-6DB70DBA9567}" type="datetimeFigureOut">
               <a:rPr lang="en-US" dirty="0"/>
               <a:pPr/>
-              <a:t>11/2/2017</a:t>
+              <a:t>11/3/2017</a:t>
             </a:fld>
             <a:endParaRPr lang="en-US"/>
           </a:p>
@@ -3405,7 +3578,7 @@
             <a:fld id="{B61BEF0D-F0BB-DE4B-95CE-6DB70DBA9567}" type="datetimeFigureOut">
               <a:rPr lang="en-US" dirty="0"/>
               <a:pPr/>
-              <a:t>11/2/2017</a:t>
+              <a:t>11/3/2017</a:t>
             </a:fld>
             <a:endParaRPr lang="en-US"/>
           </a:p>
@@ -3652,7 +3825,7 @@
             <a:fld id="{B61BEF0D-F0BB-DE4B-95CE-6DB70DBA9567}" type="datetimeFigureOut">
               <a:rPr lang="en-US" dirty="0"/>
               <a:pPr/>
-              <a:t>11/2/2017</a:t>
+              <a:t>11/3/2017</a:t>
             </a:fld>
             <a:endParaRPr lang="en-US"/>
           </a:p>
@@ -4183,7 +4356,7 @@
             <a:fld id="{B61BEF0D-F0BB-DE4B-95CE-6DB70DBA9567}" type="datetimeFigureOut">
               <a:rPr lang="en-US" dirty="0"/>
               <a:pPr/>
-              <a:t>11/2/2017</a:t>
+              <a:t>11/3/2017</a:t>
             </a:fld>
             <a:endParaRPr lang="en-US"/>
           </a:p>
@@ -4479,7 +4652,7 @@
             <a:fld id="{B61BEF0D-F0BB-DE4B-95CE-6DB70DBA9567}" type="datetimeFigureOut">
               <a:rPr lang="en-US" dirty="0"/>
               <a:pPr/>
-              <a:t>11/2/2017</a:t>
+              <a:t>11/3/2017</a:t>
             </a:fld>
             <a:endParaRPr lang="en-US"/>
           </a:p>
@@ -4651,7 +4824,7 @@
             <a:fld id="{B61BEF0D-F0BB-DE4B-95CE-6DB70DBA9567}" type="datetimeFigureOut">
               <a:rPr lang="en-US" dirty="0"/>
               <a:pPr/>
-              <a:t>11/2/2017</a:t>
+              <a:t>11/3/2017</a:t>
             </a:fld>
             <a:endParaRPr lang="en-US"/>
           </a:p>
@@ -4829,7 +5002,7 @@
             <a:fld id="{B61BEF0D-F0BB-DE4B-95CE-6DB70DBA9567}" type="datetimeFigureOut">
               <a:rPr lang="en-US" dirty="0"/>
               <a:pPr/>
-              <a:t>11/2/2017</a:t>
+              <a:t>11/3/2017</a:t>
             </a:fld>
             <a:endParaRPr lang="en-US"/>
           </a:p>
@@ -4924,7 +5097,7 @@
             <a:fld id="{B61BEF0D-F0BB-DE4B-95CE-6DB70DBA9567}" type="datetimeFigureOut">
               <a:rPr lang="en-US" dirty="0"/>
               <a:pPr/>
-              <a:t>11/2/2017</a:t>
+              <a:t>11/3/2017</a:t>
             </a:fld>
             <a:endParaRPr lang="en-US"/>
           </a:p>
@@ -5138,7 +5311,7 @@
             <a:fld id="{B61BEF0D-F0BB-DE4B-95CE-6DB70DBA9567}" type="datetimeFigureOut">
               <a:rPr lang="en-US" dirty="0"/>
               <a:pPr/>
-              <a:t>11/2/2017</a:t>
+              <a:t>11/3/2017</a:t>
             </a:fld>
             <a:endParaRPr lang="en-US"/>
           </a:p>
@@ -5333,7 +5506,7 @@
             <a:fld id="{B61BEF0D-F0BB-DE4B-95CE-6DB70DBA9567}" type="datetimeFigureOut">
               <a:rPr lang="en-US" smtClean="0"/>
               <a:pPr/>
-              <a:t>11/2/2017</a:t>
+              <a:t>11/3/2017</a:t>
             </a:fld>
             <a:endParaRPr lang="en-US"/>
           </a:p>
@@ -5531,7 +5704,7 @@
             <a:fld id="{B61BEF0D-F0BB-DE4B-95CE-6DB70DBA9567}" type="datetimeFigureOut">
               <a:rPr lang="en-US" smtClean="0"/>
               <a:pPr/>
-              <a:t>11/2/2017</a:t>
+              <a:t>11/3/2017</a:t>
             </a:fld>
             <a:endParaRPr lang="en-US"/>
           </a:p>
@@ -5781,7 +5954,7 @@
             <a:fld id="{B61BEF0D-F0BB-DE4B-95CE-6DB70DBA9567}" type="datetimeFigureOut">
               <a:rPr lang="en-US" smtClean="0"/>
               <a:pPr/>
-              <a:t>11/2/2017</a:t>
+              <a:t>11/3/2017</a:t>
             </a:fld>
             <a:endParaRPr lang="en-US"/>
           </a:p>
@@ -6015,7 +6188,7 @@
             <a:fld id="{B61BEF0D-F0BB-DE4B-95CE-6DB70DBA9567}" type="datetimeFigureOut">
               <a:rPr lang="en-US" smtClean="0"/>
               <a:pPr/>
-              <a:t>11/2/2017</a:t>
+              <a:t>11/3/2017</a:t>
             </a:fld>
             <a:endParaRPr lang="en-US"/>
           </a:p>
@@ -6384,7 +6557,7 @@
             <a:fld id="{B61BEF0D-F0BB-DE4B-95CE-6DB70DBA9567}" type="datetimeFigureOut">
               <a:rPr lang="en-US" smtClean="0"/>
               <a:pPr/>
-              <a:t>11/2/2017</a:t>
+              <a:t>11/3/2017</a:t>
             </a:fld>
             <a:endParaRPr lang="en-US"/>
           </a:p>
@@ -6506,7 +6679,7 @@
             <a:fld id="{B61BEF0D-F0BB-DE4B-95CE-6DB70DBA9567}" type="datetimeFigureOut">
               <a:rPr lang="en-US" smtClean="0"/>
               <a:pPr/>
-              <a:t>11/2/2017</a:t>
+              <a:t>11/3/2017</a:t>
             </a:fld>
             <a:endParaRPr lang="en-US"/>
           </a:p>
@@ -6606,7 +6779,7 @@
             <a:fld id="{B61BEF0D-F0BB-DE4B-95CE-6DB70DBA9567}" type="datetimeFigureOut">
               <a:rPr lang="en-US" smtClean="0"/>
               <a:pPr/>
-              <a:t>11/2/2017</a:t>
+              <a:t>11/3/2017</a:t>
             </a:fld>
             <a:endParaRPr lang="en-US"/>
           </a:p>
@@ -6886,7 +7059,7 @@
             <a:fld id="{B61BEF0D-F0BB-DE4B-95CE-6DB70DBA9567}" type="datetimeFigureOut">
               <a:rPr lang="en-US" smtClean="0"/>
               <a:pPr/>
-              <a:t>11/2/2017</a:t>
+              <a:t>11/3/2017</a:t>
             </a:fld>
             <a:endParaRPr lang="en-US"/>
           </a:p>
@@ -7146,7 +7319,7 @@
             <a:fld id="{B61BEF0D-F0BB-DE4B-95CE-6DB70DBA9567}" type="datetimeFigureOut">
               <a:rPr lang="en-US" smtClean="0"/>
               <a:pPr/>
-              <a:t>11/2/2017</a:t>
+              <a:t>11/3/2017</a:t>
             </a:fld>
             <a:endParaRPr lang="en-US"/>
           </a:p>
@@ -7319,7 +7492,7 @@
             <a:fld id="{B61BEF0D-F0BB-DE4B-95CE-6DB70DBA9567}" type="datetimeFigureOut">
               <a:rPr lang="en-US" smtClean="0"/>
               <a:pPr/>
-              <a:t>11/2/2017</a:t>
+              <a:t>11/3/2017</a:t>
             </a:fld>
             <a:endParaRPr lang="en-US"/>
           </a:p>
@@ -7449,7 +7622,7 @@
             <a:fld id="{B61BEF0D-F0BB-DE4B-95CE-6DB70DBA9567}" type="datetimeFigureOut">
               <a:rPr lang="en-US" dirty="0"/>
               <a:pPr/>
-              <a:t>11/2/2017</a:t>
+              <a:t>11/3/2017</a:t>
             </a:fld>
             <a:endParaRPr lang="en-US"/>
           </a:p>
@@ -7637,7 +7810,7 @@
             <a:fld id="{B61BEF0D-F0BB-DE4B-95CE-6DB70DBA9567}" type="datetimeFigureOut">
               <a:rPr lang="en-US" smtClean="0"/>
               <a:pPr/>
-              <a:t>11/2/2017</a:t>
+              <a:t>11/3/2017</a:t>
             </a:fld>
             <a:endParaRPr lang="en-US"/>
           </a:p>
@@ -7809,7 +7982,7 @@
           <a:p>
             <a:fld id="{B645C266-14C2-45DB-BF1E-55F4FE14172A}" type="datetimeFigureOut">
               <a:rPr lang="en-US" smtClean="0"/>
-              <a:t>11/2/2017</a:t>
+              <a:t>11/3/2017</a:t>
             </a:fld>
             <a:endParaRPr lang="en-US"/>
           </a:p>
@@ -7934,7 +8107,7 @@
             <a:fld id="{B61BEF0D-F0BB-DE4B-95CE-6DB70DBA9567}" type="datetimeFigureOut">
               <a:rPr lang="en-US" dirty="0"/>
               <a:pPr/>
-              <a:t>11/2/2017</a:t>
+              <a:t>11/3/2017</a:t>
             </a:fld>
             <a:endParaRPr lang="en-US"/>
           </a:p>
@@ -8039,7 +8212,7 @@
             <a:fld id="{B61BEF0D-F0BB-DE4B-95CE-6DB70DBA9567}" type="datetimeFigureOut">
               <a:rPr lang="en-US" dirty="0"/>
               <a:pPr/>
-              <a:t>11/2/2017</a:t>
+              <a:t>11/3/2017</a:t>
             </a:fld>
             <a:endParaRPr lang="en-US"/>
           </a:p>
@@ -8792,7 +8965,7 @@
             <a:fld id="{B61BEF0D-F0BB-DE4B-95CE-6DB70DBA9567}" type="datetimeFigureOut">
               <a:rPr lang="en-US" dirty="0"/>
               <a:pPr/>
-              <a:t>11/2/2017</a:t>
+              <a:t>11/3/2017</a:t>
             </a:fld>
             <a:endParaRPr lang="en-US"/>
           </a:p>
@@ -9086,7 +9259,7 @@
             <a:fld id="{B61BEF0D-F0BB-DE4B-95CE-6DB70DBA9567}" type="datetimeFigureOut">
               <a:rPr lang="en-US" dirty="0"/>
               <a:pPr/>
-              <a:t>11/2/2017</a:t>
+              <a:t>11/3/2017</a:t>
             </a:fld>
             <a:endParaRPr lang="en-US"/>
           </a:p>
@@ -9521,7 +9694,7 @@
             <a:fld id="{B61BEF0D-F0BB-DE4B-95CE-6DB70DBA9567}" type="datetimeFigureOut">
               <a:rPr lang="en-US" dirty="0"/>
               <a:pPr/>
-              <a:t>11/2/2017</a:t>
+              <a:t>11/3/2017</a:t>
             </a:fld>
             <a:endParaRPr lang="en-US"/>
           </a:p>
@@ -9638,7 +9811,7 @@
             <a:fld id="{B61BEF0D-F0BB-DE4B-95CE-6DB70DBA9567}" type="datetimeFigureOut">
               <a:rPr lang="en-US" dirty="0"/>
               <a:pPr/>
-              <a:t>11/2/2017</a:t>
+              <a:t>11/3/2017</a:t>
             </a:fld>
             <a:endParaRPr lang="en-US"/>
           </a:p>
@@ -9733,7 +9906,7 @@
             <a:fld id="{B61BEF0D-F0BB-DE4B-95CE-6DB70DBA9567}" type="datetimeFigureOut">
               <a:rPr lang="en-US" dirty="0"/>
               <a:pPr/>
-              <a:t>11/2/2017</a:t>
+              <a:t>11/3/2017</a:t>
             </a:fld>
             <a:endParaRPr lang="en-US"/>
           </a:p>
@@ -10014,7 +10187,7 @@
             <a:fld id="{B61BEF0D-F0BB-DE4B-95CE-6DB70DBA9567}" type="datetimeFigureOut">
               <a:rPr lang="en-US" dirty="0"/>
               <a:pPr/>
-              <a:t>11/2/2017</a:t>
+              <a:t>11/3/2017</a:t>
             </a:fld>
             <a:endParaRPr lang="en-US"/>
           </a:p>
@@ -10557,7 +10730,7 @@
             <a:fld id="{B61BEF0D-F0BB-DE4B-95CE-6DB70DBA9567}" type="datetimeFigureOut">
               <a:rPr lang="en-US" smtClean="0"/>
               <a:pPr/>
-              <a:t>11/2/2017</a:t>
+              <a:t>11/3/2017</a:t>
             </a:fld>
             <a:endParaRPr lang="en-US"/>
           </a:p>
@@ -11240,7 +11413,7 @@
           <a:p>
             <a:fld id="{956E8CAF-C796-4DD7-94D7-FA0C4ED66C95}" type="datetimeFigureOut">
               <a:rPr lang="en-US" smtClean="0"/>
-              <a:t>11/2/2017</a:t>
+              <a:t>11/3/2017</a:t>
             </a:fld>
             <a:endParaRPr lang="en-US"/>
           </a:p>
@@ -12238,7 +12411,7 @@
           <a:p>
             <a:r>
               <a:rPr lang="en-US" dirty="0"/>
-              <a:t>Built in High Availability</a:t>
+              <a:t>Built in High Availability (via geo-replication)</a:t>
             </a:r>
           </a:p>
           <a:p>
@@ -12250,7 +12423,7 @@
           <a:p>
             <a:r>
               <a:rPr lang="en-US" dirty="0"/>
-              <a:t>Advanced security options</a:t>
+              <a:t>Point in Time Backup and Restore</a:t>
             </a:r>
           </a:p>
           <a:p>
@@ -13639,134 +13812,6 @@
           <p:cNvPr id="2" name="Title 1">
             <a:extLst>
               <a:ext uri="{FF2B5EF4-FFF2-40B4-BE49-F238E27FC236}">
-                <a16:creationId xmlns:a16="http://schemas.microsoft.com/office/drawing/2014/main" id="{7F142211-6F61-4D75-98DA-DE56428DB1C6}"/>
-              </a:ext>
-            </a:extLst>
-          </p:cNvPr>
-          <p:cNvSpPr>
-            <a:spLocks noGrp="1"/>
-          </p:cNvSpPr>
-          <p:nvPr>
-            <p:ph type="title"/>
-          </p:nvPr>
-        </p:nvSpPr>
-        <p:spPr/>
-        <p:txBody>
-          <a:bodyPr/>
-          <a:lstStyle/>
-          <a:p>
-            <a:r>
-              <a:rPr lang="en-US" dirty="0"/>
-              <a:t>Application Insights</a:t>
-            </a:r>
-          </a:p>
-        </p:txBody>
-      </p:sp>
-      <p:sp>
-        <p:nvSpPr>
-          <p:cNvPr id="3" name="Content Placeholder 2">
-            <a:extLst>
-              <a:ext uri="{FF2B5EF4-FFF2-40B4-BE49-F238E27FC236}">
-                <a16:creationId xmlns:a16="http://schemas.microsoft.com/office/drawing/2014/main" id="{02F233E8-D241-44FA-B6EC-0ABDCADE31C2}"/>
-              </a:ext>
-            </a:extLst>
-          </p:cNvPr>
-          <p:cNvSpPr>
-            <a:spLocks noGrp="1"/>
-          </p:cNvSpPr>
-          <p:nvPr>
-            <p:ph idx="1"/>
-          </p:nvPr>
-        </p:nvSpPr>
-        <p:spPr/>
-        <p:txBody>
-          <a:bodyPr/>
-          <a:lstStyle/>
-          <a:p>
-            <a:r>
-              <a:rPr lang="en-US" dirty="0"/>
-              <a:t>Filler – Screenshots (1 or 2 per slide)</a:t>
-            </a:r>
-          </a:p>
-          <a:p>
-            <a:pPr lvl="1"/>
-            <a:r>
-              <a:rPr lang="en-US" dirty="0"/>
-              <a:t>Connecting to apps/functions</a:t>
-            </a:r>
-          </a:p>
-          <a:p>
-            <a:pPr lvl="1"/>
-            <a:r>
-              <a:rPr lang="en-US" dirty="0"/>
-              <a:t>Highlight dashboards</a:t>
-            </a:r>
-          </a:p>
-          <a:p>
-            <a:pPr lvl="1"/>
-            <a:r>
-              <a:rPr lang="en-US" dirty="0"/>
-              <a:t>Highlight error reporting</a:t>
-            </a:r>
-          </a:p>
-          <a:p>
-            <a:pPr lvl="1"/>
-            <a:r>
-              <a:rPr lang="en-US" dirty="0"/>
-              <a:t>Querying telemetry data</a:t>
-            </a:r>
-          </a:p>
-          <a:p>
-            <a:pPr lvl="1"/>
-            <a:r>
-              <a:rPr lang="en-US" dirty="0"/>
-              <a:t>Pulling data into Power BI (more to come in Demo)</a:t>
-            </a:r>
-          </a:p>
-          <a:p>
-            <a:pPr lvl="1"/>
-            <a:endParaRPr lang="en-US" dirty="0"/>
-          </a:p>
-        </p:txBody>
-      </p:sp>
-    </p:spTree>
-    <p:extLst>
-      <p:ext uri="{BB962C8B-B14F-4D97-AF65-F5344CB8AC3E}">
-        <p14:creationId xmlns:p14="http://schemas.microsoft.com/office/powerpoint/2010/main" val="2761963251"/>
-      </p:ext>
-    </p:extLst>
-  </p:cSld>
-  <p:clrMapOvr>
-    <a:masterClrMapping/>
-  </p:clrMapOvr>
-  <p:transition spd="med">
-    <p:pull/>
-  </p:transition>
-</p:sld>
-</file>
-
-<file path=ppt/slides/slide24.xml><?xml version="1.0" encoding="utf-8"?>
-<p:sld xmlns:a="http://schemas.openxmlformats.org/drawingml/2006/main" xmlns:r="http://schemas.openxmlformats.org/officeDocument/2006/relationships" xmlns:p="http://schemas.openxmlformats.org/presentationml/2006/main">
-  <p:cSld>
-    <p:spTree>
-      <p:nvGrpSpPr>
-        <p:cNvPr id="1" name=""/>
-        <p:cNvGrpSpPr/>
-        <p:nvPr/>
-      </p:nvGrpSpPr>
-      <p:grpSpPr>
-        <a:xfrm>
-          <a:off x="0" y="0"/>
-          <a:ext cx="0" cy="0"/>
-          <a:chOff x="0" y="0"/>
-          <a:chExt cx="0" cy="0"/>
-        </a:xfrm>
-      </p:grpSpPr>
-      <p:sp>
-        <p:nvSpPr>
-          <p:cNvPr id="2" name="Title 1">
-            <a:extLst>
-              <a:ext uri="{FF2B5EF4-FFF2-40B4-BE49-F238E27FC236}">
                 <a16:creationId xmlns:a16="http://schemas.microsoft.com/office/drawing/2014/main" id="{1E23AA33-FAED-45E9-8D45-BA6F8BD47225}"/>
               </a:ext>
             </a:extLst>
@@ -13811,7 +13856,7 @@
 </p:sld>
 </file>
 
-<file path=ppt/slides/slide25.xml><?xml version="1.0" encoding="utf-8"?>
+<file path=ppt/slides/slide24.xml><?xml version="1.0" encoding="utf-8"?>
 <p:sld xmlns:a="http://schemas.openxmlformats.org/drawingml/2006/main" xmlns:r="http://schemas.openxmlformats.org/officeDocument/2006/relationships" xmlns:p="http://schemas.openxmlformats.org/presentationml/2006/main">
   <p:cSld>
     <p:spTree>
@@ -13907,6 +13952,158 @@
 </p:sld>
 </file>
 
+<file path=ppt/slides/slide25.xml><?xml version="1.0" encoding="utf-8"?>
+<p:sld xmlns:a="http://schemas.openxmlformats.org/drawingml/2006/main" xmlns:r="http://schemas.openxmlformats.org/officeDocument/2006/relationships" xmlns:p="http://schemas.openxmlformats.org/presentationml/2006/main">
+  <p:cSld>
+    <p:spTree>
+      <p:nvGrpSpPr>
+        <p:cNvPr id="1" name=""/>
+        <p:cNvGrpSpPr/>
+        <p:nvPr/>
+      </p:nvGrpSpPr>
+      <p:grpSpPr>
+        <a:xfrm>
+          <a:off x="0" y="0"/>
+          <a:ext cx="0" cy="0"/>
+          <a:chOff x="0" y="0"/>
+          <a:chExt cx="0" cy="0"/>
+        </a:xfrm>
+      </p:grpSpPr>
+      <p:sp>
+        <p:nvSpPr>
+          <p:cNvPr id="2" name="Title 1">
+            <a:extLst>
+              <a:ext uri="{FF2B5EF4-FFF2-40B4-BE49-F238E27FC236}">
+                <a16:creationId xmlns:a16="http://schemas.microsoft.com/office/drawing/2014/main" id="{186B9714-4938-4625-9EB1-3D21685A4DEC}"/>
+              </a:ext>
+            </a:extLst>
+          </p:cNvPr>
+          <p:cNvSpPr>
+            <a:spLocks noGrp="1"/>
+          </p:cNvSpPr>
+          <p:nvPr>
+            <p:ph type="title"/>
+          </p:nvPr>
+        </p:nvSpPr>
+        <p:spPr/>
+        <p:txBody>
+          <a:bodyPr/>
+          <a:lstStyle/>
+          <a:p>
+            <a:r>
+              <a:rPr lang="en-US" dirty="0"/>
+              <a:t>Hands on Demo - Provisioning</a:t>
+            </a:r>
+          </a:p>
+        </p:txBody>
+      </p:sp>
+      <p:sp>
+        <p:nvSpPr>
+          <p:cNvPr id="6" name="Content Placeholder 5">
+            <a:extLst>
+              <a:ext uri="{FF2B5EF4-FFF2-40B4-BE49-F238E27FC236}">
+                <a16:creationId xmlns:a16="http://schemas.microsoft.com/office/drawing/2014/main" id="{02E3DCCA-8C5A-4C9A-9F56-9299278BA6F2}"/>
+              </a:ext>
+            </a:extLst>
+          </p:cNvPr>
+          <p:cNvSpPr>
+            <a:spLocks noGrp="1"/>
+          </p:cNvSpPr>
+          <p:nvPr>
+            <p:ph idx="1"/>
+          </p:nvPr>
+        </p:nvSpPr>
+        <p:spPr/>
+        <p:txBody>
+          <a:bodyPr/>
+          <a:lstStyle/>
+          <a:p>
+            <a:r>
+              <a:rPr lang="en-US" dirty="0"/>
+              <a:t>Create – </a:t>
+            </a:r>
+          </a:p>
+          <a:p>
+            <a:pPr lvl="1"/>
+            <a:r>
+              <a:rPr lang="en-US" dirty="0"/>
+              <a:t>Resource Groups</a:t>
+            </a:r>
+          </a:p>
+          <a:p>
+            <a:pPr lvl="1"/>
+            <a:r>
+              <a:rPr lang="en-US" dirty="0"/>
+              <a:t>API App</a:t>
+            </a:r>
+          </a:p>
+          <a:p>
+            <a:pPr lvl="1"/>
+            <a:r>
+              <a:rPr lang="en-US" dirty="0"/>
+              <a:t>App Service Plan</a:t>
+            </a:r>
+          </a:p>
+          <a:p>
+            <a:pPr lvl="1"/>
+            <a:r>
+              <a:rPr lang="en-US" dirty="0"/>
+              <a:t>Event Hub</a:t>
+            </a:r>
+          </a:p>
+          <a:p>
+            <a:pPr lvl="1"/>
+            <a:r>
+              <a:rPr lang="en-US" dirty="0"/>
+              <a:t>Cosmos DB</a:t>
+            </a:r>
+          </a:p>
+          <a:p>
+            <a:pPr lvl="1"/>
+            <a:r>
+              <a:rPr lang="en-US" dirty="0"/>
+              <a:t>Function App</a:t>
+            </a:r>
+          </a:p>
+          <a:p>
+            <a:pPr lvl="1"/>
+            <a:r>
+              <a:rPr lang="en-US" dirty="0"/>
+              <a:t>Azure SQL Server and Database</a:t>
+            </a:r>
+          </a:p>
+          <a:p>
+            <a:pPr lvl="1"/>
+            <a:r>
+              <a:rPr lang="en-US" dirty="0"/>
+              <a:t>Application Insights</a:t>
+            </a:r>
+          </a:p>
+          <a:p>
+            <a:pPr lvl="1"/>
+            <a:r>
+              <a:rPr lang="en-US" dirty="0"/>
+              <a:t>Web App</a:t>
+            </a:r>
+          </a:p>
+        </p:txBody>
+      </p:sp>
+    </p:spTree>
+    <p:extLst>
+      <p:ext uri="{BB962C8B-B14F-4D97-AF65-F5344CB8AC3E}">
+        <p14:creationId xmlns:p14="http://schemas.microsoft.com/office/powerpoint/2010/main" val="2721298517"/>
+      </p:ext>
+    </p:extLst>
+  </p:cSld>
+  <p:clrMapOvr>
+    <a:masterClrMapping/>
+  </p:clrMapOvr>
+  <p:transition spd="med">
+    <p:pull/>
+  </p:transition>
+</p:sld>
+</file>
+
 <file path=ppt/slides/slide26.xml><?xml version="1.0" encoding="utf-8"?>
 <p:sld xmlns:a="http://schemas.openxmlformats.org/drawingml/2006/main" xmlns:r="http://schemas.openxmlformats.org/officeDocument/2006/relationships" xmlns:p="http://schemas.openxmlformats.org/presentationml/2006/main">
   <p:cSld>
@@ -13929,7 +14126,7 @@
           <p:cNvPr id="2" name="Title 1">
             <a:extLst>
               <a:ext uri="{FF2B5EF4-FFF2-40B4-BE49-F238E27FC236}">
-                <a16:creationId xmlns:a16="http://schemas.microsoft.com/office/drawing/2014/main" id="{186B9714-4938-4625-9EB1-3D21685A4DEC}"/>
+                <a16:creationId xmlns:a16="http://schemas.microsoft.com/office/drawing/2014/main" id="{09D35D92-964D-4FDA-86D0-5114F5A18D5D}"/>
               </a:ext>
             </a:extLst>
           </p:cNvPr>
@@ -13942,22 +14139,24 @@
         </p:nvSpPr>
         <p:spPr/>
         <p:txBody>
-          <a:bodyPr/>
-          <a:lstStyle/>
-          <a:p>
-            <a:r>
-              <a:rPr lang="en-US" dirty="0"/>
-              <a:t>Hands on Demo - Provisioning</a:t>
-            </a:r>
-          </a:p>
-        </p:txBody>
-      </p:sp>
-      <p:sp>
-        <p:nvSpPr>
-          <p:cNvPr id="6" name="Content Placeholder 5">
+          <a:bodyPr>
+            <a:normAutofit/>
+          </a:bodyPr>
+          <a:lstStyle/>
+          <a:p>
+            <a:r>
+              <a:rPr lang="en-US" dirty="0"/>
+              <a:t>Hands on Demo – Add Data</a:t>
+            </a:r>
+          </a:p>
+        </p:txBody>
+      </p:sp>
+      <p:sp>
+        <p:nvSpPr>
+          <p:cNvPr id="3" name="Content Placeholder 2">
             <a:extLst>
               <a:ext uri="{FF2B5EF4-FFF2-40B4-BE49-F238E27FC236}">
-                <a16:creationId xmlns:a16="http://schemas.microsoft.com/office/drawing/2014/main" id="{02E3DCCA-8C5A-4C9A-9F56-9299278BA6F2}"/>
+                <a16:creationId xmlns:a16="http://schemas.microsoft.com/office/drawing/2014/main" id="{CA47C6FA-E31A-41DC-960D-BF23A7314CB2}"/>
               </a:ext>
             </a:extLst>
           </p:cNvPr>
@@ -13975,70 +14174,7 @@
           <a:p>
             <a:r>
               <a:rPr lang="en-US" dirty="0"/>
-              <a:t>Create – </a:t>
-            </a:r>
-          </a:p>
-          <a:p>
-            <a:pPr lvl="1"/>
-            <a:r>
-              <a:rPr lang="en-US" dirty="0"/>
-              <a:t>Resource Groups</a:t>
-            </a:r>
-          </a:p>
-          <a:p>
-            <a:pPr lvl="1"/>
-            <a:r>
-              <a:rPr lang="en-US" dirty="0"/>
-              <a:t>API App</a:t>
-            </a:r>
-          </a:p>
-          <a:p>
-            <a:pPr lvl="1"/>
-            <a:r>
-              <a:rPr lang="en-US" dirty="0"/>
-              <a:t>App Service Plan</a:t>
-            </a:r>
-          </a:p>
-          <a:p>
-            <a:pPr lvl="1"/>
-            <a:r>
-              <a:rPr lang="en-US" dirty="0"/>
-              <a:t>Event Hub</a:t>
-            </a:r>
-          </a:p>
-          <a:p>
-            <a:pPr lvl="1"/>
-            <a:r>
-              <a:rPr lang="en-US" dirty="0"/>
-              <a:t>Cosmos DB</a:t>
-            </a:r>
-          </a:p>
-          <a:p>
-            <a:pPr lvl="1"/>
-            <a:r>
-              <a:rPr lang="en-US" dirty="0"/>
-              <a:t>Function App</a:t>
-            </a:r>
-          </a:p>
-          <a:p>
-            <a:pPr lvl="1"/>
-            <a:r>
-              <a:rPr lang="en-US" dirty="0"/>
-              <a:t>Azure SQL Server and Database</a:t>
-            </a:r>
-          </a:p>
-          <a:p>
-            <a:pPr lvl="1"/>
-            <a:r>
-              <a:rPr lang="en-US" dirty="0"/>
-              <a:t>Application Insights</a:t>
-            </a:r>
-          </a:p>
-          <a:p>
-            <a:pPr lvl="1"/>
-            <a:r>
-              <a:rPr lang="en-US" dirty="0"/>
-              <a:t>Web App</a:t>
+              <a:t>Create table to store survey results</a:t>
             </a:r>
           </a:p>
         </p:txBody>
@@ -14046,7 +14182,7 @@
     </p:spTree>
     <p:extLst>
       <p:ext uri="{BB962C8B-B14F-4D97-AF65-F5344CB8AC3E}">
-        <p14:creationId xmlns:p14="http://schemas.microsoft.com/office/powerpoint/2010/main" val="2721298517"/>
+        <p14:creationId xmlns:p14="http://schemas.microsoft.com/office/powerpoint/2010/main" val="371136162"/>
       </p:ext>
     </p:extLst>
   </p:cSld>
@@ -14081,7 +14217,7 @@
           <p:cNvPr id="2" name="Title 1">
             <a:extLst>
               <a:ext uri="{FF2B5EF4-FFF2-40B4-BE49-F238E27FC236}">
-                <a16:creationId xmlns:a16="http://schemas.microsoft.com/office/drawing/2014/main" id="{09D35D92-964D-4FDA-86D0-5114F5A18D5D}"/>
+                <a16:creationId xmlns:a16="http://schemas.microsoft.com/office/drawing/2014/main" id="{C2287B1A-1EA6-4AB9-8E12-79C2C8C6E708}"/>
               </a:ext>
             </a:extLst>
           </p:cNvPr>
@@ -14094,14 +14230,12 @@
         </p:nvSpPr>
         <p:spPr/>
         <p:txBody>
-          <a:bodyPr>
-            <a:normAutofit/>
-          </a:bodyPr>
-          <a:lstStyle/>
-          <a:p>
-            <a:r>
-              <a:rPr lang="en-US" dirty="0"/>
-              <a:t>Hands on Demo – Add Data</a:t>
+          <a:bodyPr/>
+          <a:lstStyle/>
+          <a:p>
+            <a:r>
+              <a:rPr lang="en-US" dirty="0"/>
+              <a:t>Hands on Demo – Deploy Code</a:t>
             </a:r>
           </a:p>
         </p:txBody>
@@ -14111,7 +14245,7 @@
           <p:cNvPr id="3" name="Content Placeholder 2">
             <a:extLst>
               <a:ext uri="{FF2B5EF4-FFF2-40B4-BE49-F238E27FC236}">
-                <a16:creationId xmlns:a16="http://schemas.microsoft.com/office/drawing/2014/main" id="{CA47C6FA-E31A-41DC-960D-BF23A7314CB2}"/>
+                <a16:creationId xmlns:a16="http://schemas.microsoft.com/office/drawing/2014/main" id="{0380A213-025D-40FE-9706-B7D0FC6BC7E0}"/>
               </a:ext>
             </a:extLst>
           </p:cNvPr>
@@ -14129,15 +14263,53 @@
           <a:p>
             <a:r>
               <a:rPr lang="en-US" dirty="0"/>
-              <a:t>Create table to store survey results</a:t>
-            </a:r>
+              <a:t>Update </a:t>
+            </a:r>
+            <a:r>
+              <a:rPr lang="en-US" dirty="0" err="1"/>
+              <a:t>SurveyAPI</a:t>
+            </a:r>
+            <a:r>
+              <a:rPr lang="en-US" dirty="0"/>
+              <a:t> connection string</a:t>
+            </a:r>
+          </a:p>
+          <a:p>
+            <a:r>
+              <a:rPr lang="en-US" dirty="0"/>
+              <a:t>Publish code to API App</a:t>
+            </a:r>
+          </a:p>
+          <a:p>
+            <a:r>
+              <a:rPr lang="en-US" dirty="0"/>
+              <a:t>Verify via Hello World ping test</a:t>
+            </a:r>
+          </a:p>
+          <a:p>
+            <a:r>
+              <a:rPr lang="en-US" dirty="0"/>
+              <a:t>Deploy Function App</a:t>
+            </a:r>
+          </a:p>
+          <a:p>
+            <a:r>
+              <a:rPr lang="en-US" dirty="0"/>
+              <a:t>Deploy Survey UI</a:t>
+            </a:r>
+          </a:p>
+          <a:p>
+            <a:endParaRPr lang="en-US" dirty="0"/>
+          </a:p>
+          <a:p>
+            <a:endParaRPr lang="en-US" dirty="0"/>
           </a:p>
         </p:txBody>
       </p:sp>
     </p:spTree>
     <p:extLst>
       <p:ext uri="{BB962C8B-B14F-4D97-AF65-F5344CB8AC3E}">
-        <p14:creationId xmlns:p14="http://schemas.microsoft.com/office/powerpoint/2010/main" val="371136162"/>
+        <p14:creationId xmlns:p14="http://schemas.microsoft.com/office/powerpoint/2010/main" val="1253098637"/>
       </p:ext>
     </p:extLst>
   </p:cSld>
@@ -14172,7 +14344,7 @@
           <p:cNvPr id="2" name="Title 1">
             <a:extLst>
               <a:ext uri="{FF2B5EF4-FFF2-40B4-BE49-F238E27FC236}">
-                <a16:creationId xmlns:a16="http://schemas.microsoft.com/office/drawing/2014/main" id="{C2287B1A-1EA6-4AB9-8E12-79C2C8C6E708}"/>
+                <a16:creationId xmlns:a16="http://schemas.microsoft.com/office/drawing/2014/main" id="{7D4905BB-2486-4734-904A-E5815F9591A8}"/>
               </a:ext>
             </a:extLst>
           </p:cNvPr>
@@ -14185,86 +14357,54 @@
         </p:nvSpPr>
         <p:spPr/>
         <p:txBody>
-          <a:bodyPr/>
-          <a:lstStyle/>
-          <a:p>
-            <a:r>
-              <a:rPr lang="en-US" dirty="0"/>
-              <a:t>Hands on Demo – Deploy Code</a:t>
-            </a:r>
-          </a:p>
-        </p:txBody>
-      </p:sp>
-      <p:sp>
-        <p:nvSpPr>
-          <p:cNvPr id="3" name="Content Placeholder 2">
+          <a:bodyPr>
+            <a:normAutofit fontScale="90000"/>
+          </a:bodyPr>
+          <a:lstStyle/>
+          <a:p>
+            <a:r>
+              <a:rPr lang="en-US" dirty="0"/>
+              <a:t>Hands on Demo – Connecting to Application Insights</a:t>
+            </a:r>
+          </a:p>
+        </p:txBody>
+      </p:sp>
+      <p:pic>
+        <p:nvPicPr>
+          <p:cNvPr id="4" name="Content Placeholder 3">
             <a:extLst>
               <a:ext uri="{FF2B5EF4-FFF2-40B4-BE49-F238E27FC236}">
-                <a16:creationId xmlns:a16="http://schemas.microsoft.com/office/drawing/2014/main" id="{0380A213-025D-40FE-9706-B7D0FC6BC7E0}"/>
+                <a16:creationId xmlns:a16="http://schemas.microsoft.com/office/drawing/2014/main" id="{B6EBE522-6945-48B5-9505-FE95673A6965}"/>
               </a:ext>
             </a:extLst>
           </p:cNvPr>
-          <p:cNvSpPr>
-            <a:spLocks noGrp="1"/>
-          </p:cNvSpPr>
+          <p:cNvPicPr>
+            <a:picLocks noGrp="1" noChangeAspect="1"/>
+          </p:cNvPicPr>
           <p:nvPr>
             <p:ph idx="1"/>
           </p:nvPr>
-        </p:nvSpPr>
-        <p:spPr/>
-        <p:txBody>
-          <a:bodyPr/>
-          <a:lstStyle/>
-          <a:p>
-            <a:r>
-              <a:rPr lang="en-US" dirty="0"/>
-              <a:t>Update </a:t>
-            </a:r>
-            <a:r>
-              <a:rPr lang="en-US" dirty="0" err="1"/>
-              <a:t>SurveyAPI</a:t>
-            </a:r>
-            <a:r>
-              <a:rPr lang="en-US" dirty="0"/>
-              <a:t> connection string</a:t>
-            </a:r>
-          </a:p>
-          <a:p>
-            <a:r>
-              <a:rPr lang="en-US" dirty="0"/>
-              <a:t>Publish code to API App</a:t>
-            </a:r>
-          </a:p>
-          <a:p>
-            <a:r>
-              <a:rPr lang="en-US" dirty="0"/>
-              <a:t>Verify via Hello World ping test</a:t>
-            </a:r>
-          </a:p>
-          <a:p>
-            <a:r>
-              <a:rPr lang="en-US" dirty="0"/>
-              <a:t>Deploy Function App</a:t>
-            </a:r>
-          </a:p>
-          <a:p>
-            <a:r>
-              <a:rPr lang="en-US" dirty="0"/>
-              <a:t>Deploy Survey UI</a:t>
-            </a:r>
-          </a:p>
-          <a:p>
-            <a:endParaRPr lang="en-US" dirty="0"/>
-          </a:p>
-          <a:p>
-            <a:endParaRPr lang="en-US" dirty="0"/>
-          </a:p>
-        </p:txBody>
-      </p:sp>
+        </p:nvPicPr>
+        <p:blipFill>
+          <a:blip r:embed="rId2"/>
+          <a:stretch>
+            <a:fillRect/>
+          </a:stretch>
+        </p:blipFill>
+        <p:spPr>
+          <a:xfrm>
+            <a:off x="4597220" y="1223963"/>
+            <a:ext cx="4596172" cy="4875212"/>
+          </a:xfrm>
+          <a:prstGeom prst="rect">
+            <a:avLst/>
+          </a:prstGeom>
+        </p:spPr>
+      </p:pic>
     </p:spTree>
     <p:extLst>
       <p:ext uri="{BB962C8B-B14F-4D97-AF65-F5344CB8AC3E}">
-        <p14:creationId xmlns:p14="http://schemas.microsoft.com/office/powerpoint/2010/main" val="1253098637"/>
+        <p14:creationId xmlns:p14="http://schemas.microsoft.com/office/powerpoint/2010/main" val="726521830"/>
       </p:ext>
     </p:extLst>
   </p:cSld>
@@ -14299,7 +14439,7 @@
           <p:cNvPr id="2" name="Title 1">
             <a:extLst>
               <a:ext uri="{FF2B5EF4-FFF2-40B4-BE49-F238E27FC236}">
-                <a16:creationId xmlns:a16="http://schemas.microsoft.com/office/drawing/2014/main" id="{7D4905BB-2486-4734-904A-E5815F9591A8}"/>
+                <a16:creationId xmlns:a16="http://schemas.microsoft.com/office/drawing/2014/main" id="{F80245F7-8ABF-43B3-B62B-BE1DAD91A3E7}"/>
               </a:ext>
             </a:extLst>
           </p:cNvPr>
@@ -14319,26 +14459,24 @@
           <a:p>
             <a:r>
               <a:rPr lang="en-US" dirty="0"/>
-              <a:t>Hands on Demo – Connecting to Application Insights</a:t>
+              <a:t>Hands on Demo – Watching the Data Flow Through</a:t>
             </a:r>
           </a:p>
         </p:txBody>
       </p:sp>
       <p:pic>
         <p:nvPicPr>
-          <p:cNvPr id="4" name="Content Placeholder 3">
+          <p:cNvPr id="4" name="Picture 3">
             <a:extLst>
               <a:ext uri="{FF2B5EF4-FFF2-40B4-BE49-F238E27FC236}">
-                <a16:creationId xmlns:a16="http://schemas.microsoft.com/office/drawing/2014/main" id="{B6EBE522-6945-48B5-9505-FE95673A6965}"/>
+                <a16:creationId xmlns:a16="http://schemas.microsoft.com/office/drawing/2014/main" id="{46C3FBB7-8015-4A1B-96DC-46C7DA928141}"/>
               </a:ext>
             </a:extLst>
           </p:cNvPr>
           <p:cNvPicPr>
-            <a:picLocks noGrp="1" noChangeAspect="1"/>
+            <a:picLocks noChangeAspect="1"/>
           </p:cNvPicPr>
-          <p:nvPr>
-            <p:ph idx="1"/>
-          </p:nvPr>
+          <p:nvPr/>
         </p:nvPicPr>
         <p:blipFill>
           <a:blip r:embed="rId2"/>
@@ -14348,18 +14486,53 @@
         </p:blipFill>
         <p:spPr>
           <a:xfrm>
-            <a:off x="4597220" y="1223963"/>
-            <a:ext cx="4596172" cy="4875212"/>
+            <a:off x="2251149" y="1503683"/>
+            <a:ext cx="4644158" cy="4583151"/>
           </a:xfrm>
           <a:prstGeom prst="rect">
             <a:avLst/>
           </a:prstGeom>
         </p:spPr>
       </p:pic>
+      <p:sp>
+        <p:nvSpPr>
+          <p:cNvPr id="5" name="TextBox 4">
+            <a:extLst>
+              <a:ext uri="{FF2B5EF4-FFF2-40B4-BE49-F238E27FC236}">
+                <a16:creationId xmlns:a16="http://schemas.microsoft.com/office/drawing/2014/main" id="{61CA2186-6743-483F-9B79-E8D246BCE698}"/>
+              </a:ext>
+            </a:extLst>
+          </p:cNvPr>
+          <p:cNvSpPr txBox="1"/>
+          <p:nvPr/>
+        </p:nvSpPr>
+        <p:spPr>
+          <a:xfrm>
+            <a:off x="7605132" y="1862254"/>
+            <a:ext cx="3434575" cy="369332"/>
+          </a:xfrm>
+          <a:prstGeom prst="rect">
+            <a:avLst/>
+          </a:prstGeom>
+          <a:noFill/>
+        </p:spPr>
+        <p:txBody>
+          <a:bodyPr wrap="square" rtlCol="0">
+            <a:spAutoFit/>
+          </a:bodyPr>
+          <a:lstStyle/>
+          <a:p>
+            <a:r>
+              <a:rPr lang="en-US" dirty="0"/>
+              <a:t>Add some data</a:t>
+            </a:r>
+          </a:p>
+        </p:txBody>
+      </p:sp>
     </p:spTree>
     <p:extLst>
       <p:ext uri="{BB962C8B-B14F-4D97-AF65-F5344CB8AC3E}">
-        <p14:creationId xmlns:p14="http://schemas.microsoft.com/office/powerpoint/2010/main" val="726521830"/>
+        <p14:creationId xmlns:p14="http://schemas.microsoft.com/office/powerpoint/2010/main" val="2431344795"/>
       </p:ext>
     </p:extLst>
   </p:cSld>
@@ -14516,7 +14689,7 @@
           <p:cNvPr id="2" name="Title 1">
             <a:extLst>
               <a:ext uri="{FF2B5EF4-FFF2-40B4-BE49-F238E27FC236}">
-                <a16:creationId xmlns:a16="http://schemas.microsoft.com/office/drawing/2014/main" id="{F80245F7-8ABF-43B3-B62B-BE1DAD91A3E7}"/>
+                <a16:creationId xmlns:a16="http://schemas.microsoft.com/office/drawing/2014/main" id="{ACB78B8D-3A8D-4BB0-9751-CDC10BE00076}"/>
               </a:ext>
             </a:extLst>
           </p:cNvPr>
@@ -14541,67 +14714,53 @@
           </a:p>
         </p:txBody>
       </p:sp>
-      <p:pic>
-        <p:nvPicPr>
-          <p:cNvPr id="4" name="Picture 3">
+      <p:sp>
+        <p:nvSpPr>
+          <p:cNvPr id="3" name="Content Placeholder 2">
             <a:extLst>
               <a:ext uri="{FF2B5EF4-FFF2-40B4-BE49-F238E27FC236}">
-                <a16:creationId xmlns:a16="http://schemas.microsoft.com/office/drawing/2014/main" id="{46C3FBB7-8015-4A1B-96DC-46C7DA928141}"/>
+                <a16:creationId xmlns:a16="http://schemas.microsoft.com/office/drawing/2014/main" id="{C0A85494-DEB2-49CD-A9FA-5C06B9638D5C}"/>
               </a:ext>
             </a:extLst>
           </p:cNvPr>
-          <p:cNvPicPr>
-            <a:picLocks noChangeAspect="1"/>
-          </p:cNvPicPr>
-          <p:nvPr/>
-        </p:nvPicPr>
-        <p:blipFill>
-          <a:blip r:embed="rId2"/>
-          <a:stretch>
-            <a:fillRect/>
-          </a:stretch>
-        </p:blipFill>
-        <p:spPr>
-          <a:xfrm>
-            <a:off x="2251149" y="1503683"/>
-            <a:ext cx="4644158" cy="4583151"/>
-          </a:xfrm>
-          <a:prstGeom prst="rect">
-            <a:avLst/>
-          </a:prstGeom>
-        </p:spPr>
-      </p:pic>
-      <p:sp>
-        <p:nvSpPr>
-          <p:cNvPr id="5" name="TextBox 4">
-            <a:extLst>
-              <a:ext uri="{FF2B5EF4-FFF2-40B4-BE49-F238E27FC236}">
-                <a16:creationId xmlns:a16="http://schemas.microsoft.com/office/drawing/2014/main" id="{61CA2186-6743-483F-9B79-E8D246BCE698}"/>
-              </a:ext>
-            </a:extLst>
-          </p:cNvPr>
-          <p:cNvSpPr txBox="1"/>
-          <p:nvPr/>
-        </p:nvSpPr>
-        <p:spPr>
-          <a:xfrm>
-            <a:off x="7605132" y="1862254"/>
-            <a:ext cx="3434575" cy="369332"/>
-          </a:xfrm>
-          <a:prstGeom prst="rect">
-            <a:avLst/>
-          </a:prstGeom>
-          <a:noFill/>
-        </p:spPr>
-        <p:txBody>
-          <a:bodyPr wrap="square" rtlCol="0">
-            <a:spAutoFit/>
-          </a:bodyPr>
-          <a:lstStyle/>
-          <a:p>
-            <a:r>
-              <a:rPr lang="en-US" dirty="0"/>
-              <a:t>Add some data</a:t>
+          <p:cNvSpPr>
+            <a:spLocks noGrp="1"/>
+          </p:cNvSpPr>
+          <p:nvPr>
+            <p:ph idx="1"/>
+          </p:nvPr>
+        </p:nvSpPr>
+        <p:spPr/>
+        <p:txBody>
+          <a:bodyPr/>
+          <a:lstStyle/>
+          <a:p>
+            <a:r>
+              <a:rPr lang="en-US" dirty="0"/>
+              <a:t>Verify data in </a:t>
+            </a:r>
+            <a:r>
+              <a:rPr lang="en-US" dirty="0" err="1"/>
+              <a:t>CosmosDB</a:t>
+            </a:r>
+            <a:endParaRPr lang="en-US" dirty="0"/>
+          </a:p>
+          <a:p>
+            <a:r>
+              <a:rPr lang="en-US" dirty="0"/>
+              <a:t>Verify data in SSMS</a:t>
+            </a:r>
+          </a:p>
+          <a:p>
+            <a:r>
+              <a:rPr lang="en-US" dirty="0"/>
+              <a:t>Connect to App Insights Service</a:t>
+            </a:r>
+          </a:p>
+          <a:p>
+            <a:r>
+              <a:rPr lang="en-US" dirty="0"/>
+              <a:t>Connect and execute a custom query</a:t>
             </a:r>
           </a:p>
         </p:txBody>
@@ -14609,7 +14768,7 @@
     </p:spTree>
     <p:extLst>
       <p:ext uri="{BB962C8B-B14F-4D97-AF65-F5344CB8AC3E}">
-        <p14:creationId xmlns:p14="http://schemas.microsoft.com/office/powerpoint/2010/main" val="2431344795"/>
+        <p14:creationId xmlns:p14="http://schemas.microsoft.com/office/powerpoint/2010/main" val="3879442133"/>
       </p:ext>
     </p:extLst>
   </p:cSld>
@@ -14644,103 +14803,6 @@
           <p:cNvPr id="2" name="Title 1">
             <a:extLst>
               <a:ext uri="{FF2B5EF4-FFF2-40B4-BE49-F238E27FC236}">
-                <a16:creationId xmlns:a16="http://schemas.microsoft.com/office/drawing/2014/main" id="{ACB78B8D-3A8D-4BB0-9751-CDC10BE00076}"/>
-              </a:ext>
-            </a:extLst>
-          </p:cNvPr>
-          <p:cNvSpPr>
-            <a:spLocks noGrp="1"/>
-          </p:cNvSpPr>
-          <p:nvPr>
-            <p:ph type="title"/>
-          </p:nvPr>
-        </p:nvSpPr>
-        <p:spPr/>
-        <p:txBody>
-          <a:bodyPr>
-            <a:normAutofit fontScale="90000"/>
-          </a:bodyPr>
-          <a:lstStyle/>
-          <a:p>
-            <a:r>
-              <a:rPr lang="en-US" dirty="0"/>
-              <a:t>Hands on Demo – Watching the Data Flow Through</a:t>
-            </a:r>
-          </a:p>
-        </p:txBody>
-      </p:sp>
-      <p:sp>
-        <p:nvSpPr>
-          <p:cNvPr id="3" name="Content Placeholder 2">
-            <a:extLst>
-              <a:ext uri="{FF2B5EF4-FFF2-40B4-BE49-F238E27FC236}">
-                <a16:creationId xmlns:a16="http://schemas.microsoft.com/office/drawing/2014/main" id="{C0A85494-DEB2-49CD-A9FA-5C06B9638D5C}"/>
-              </a:ext>
-            </a:extLst>
-          </p:cNvPr>
-          <p:cNvSpPr>
-            <a:spLocks noGrp="1"/>
-          </p:cNvSpPr>
-          <p:nvPr>
-            <p:ph idx="1"/>
-          </p:nvPr>
-        </p:nvSpPr>
-        <p:spPr/>
-        <p:txBody>
-          <a:bodyPr/>
-          <a:lstStyle/>
-          <a:p>
-            <a:r>
-              <a:rPr lang="en-US" dirty="0"/>
-              <a:t>Connect to App Insights Service</a:t>
-            </a:r>
-          </a:p>
-          <a:p>
-            <a:r>
-              <a:rPr lang="en-US" dirty="0"/>
-              <a:t>Connect and execute a custom query</a:t>
-            </a:r>
-          </a:p>
-        </p:txBody>
-      </p:sp>
-    </p:spTree>
-    <p:extLst>
-      <p:ext uri="{BB962C8B-B14F-4D97-AF65-F5344CB8AC3E}">
-        <p14:creationId xmlns:p14="http://schemas.microsoft.com/office/powerpoint/2010/main" val="3879442133"/>
-      </p:ext>
-    </p:extLst>
-  </p:cSld>
-  <p:clrMapOvr>
-    <a:masterClrMapping/>
-  </p:clrMapOvr>
-  <p:transition spd="med">
-    <p:pull/>
-  </p:transition>
-</p:sld>
-</file>
-
-<file path=ppt/slides/slide32.xml><?xml version="1.0" encoding="utf-8"?>
-<p:sld xmlns:a="http://schemas.openxmlformats.org/drawingml/2006/main" xmlns:r="http://schemas.openxmlformats.org/officeDocument/2006/relationships" xmlns:p="http://schemas.openxmlformats.org/presentationml/2006/main">
-  <p:cSld>
-    <p:spTree>
-      <p:nvGrpSpPr>
-        <p:cNvPr id="1" name=""/>
-        <p:cNvGrpSpPr/>
-        <p:nvPr/>
-      </p:nvGrpSpPr>
-      <p:grpSpPr>
-        <a:xfrm>
-          <a:off x="0" y="0"/>
-          <a:ext cx="0" cy="0"/>
-          <a:chOff x="0" y="0"/>
-          <a:chExt cx="0" cy="0"/>
-        </a:xfrm>
-      </p:grpSpPr>
-      <p:sp>
-        <p:nvSpPr>
-          <p:cNvPr id="2" name="Title 1">
-            <a:extLst>
-              <a:ext uri="{FF2B5EF4-FFF2-40B4-BE49-F238E27FC236}">
                 <a16:creationId xmlns:a16="http://schemas.microsoft.com/office/drawing/2014/main" id="{F56F1076-842C-4FD1-99A5-6DE0FBBC2BBF}"/>
               </a:ext>
             </a:extLst>
@@ -14785,7 +14847,7 @@
 </p:sld>
 </file>
 
-<file path=ppt/slides/slide33.xml><?xml version="1.0" encoding="utf-8"?>
+<file path=ppt/slides/slide32.xml><?xml version="1.0" encoding="utf-8"?>
 <p:sld xmlns:a="http://schemas.openxmlformats.org/drawingml/2006/main" xmlns:r="http://schemas.openxmlformats.org/officeDocument/2006/relationships" xmlns:p="http://schemas.openxmlformats.org/presentationml/2006/main">
   <p:cSld>
     <p:spTree>
@@ -14977,7 +15039,7 @@
           <p:nvPr/>
         </p:nvPicPr>
         <p:blipFill>
-          <a:blip r:embed="rId2"/>
+          <a:blip r:embed="rId3"/>
           <a:stretch>
             <a:fillRect/>
           </a:stretch>
@@ -15072,7 +15134,7 @@
         <p:spPr/>
         <p:txBody>
           <a:bodyPr>
-            <a:normAutofit fontScale="92500" lnSpcReduction="20000"/>
+            <a:normAutofit/>
           </a:bodyPr>
           <a:lstStyle/>
           <a:p>
@@ -15123,26 +15185,6 @@
             <a:r>
               <a:rPr lang="en-US" dirty="0"/>
               <a:t>Power BI</a:t>
-            </a:r>
-          </a:p>
-          <a:p>
-            <a:r>
-              <a:rPr lang="en-US" dirty="0"/>
-              <a:t>Bonus</a:t>
-            </a:r>
-          </a:p>
-          <a:p>
-            <a:pPr lvl="1"/>
-            <a:r>
-              <a:rPr lang="en-US" dirty="0"/>
-              <a:t>Postman</a:t>
-            </a:r>
-          </a:p>
-          <a:p>
-            <a:pPr lvl="1"/>
-            <a:r>
-              <a:rPr lang="en-US" dirty="0"/>
-              <a:t>Swagger</a:t>
             </a:r>
           </a:p>
         </p:txBody>
@@ -15240,13 +15282,20 @@
             <a:pPr lvl="1"/>
             <a:r>
               <a:rPr lang="en-US" dirty="0"/>
-              <a:t>Underlying solution infrastructure can be stood up very quickly</a:t>
+              <a:t>Rapid development / deployment </a:t>
             </a:r>
           </a:p>
           <a:p>
             <a:pPr lvl="2"/>
             <a:r>
               <a:rPr lang="en-US" dirty="0"/>
+              <a:t>Solution can be stood up very quickly</a:t>
+            </a:r>
+          </a:p>
+          <a:p>
+            <a:pPr lvl="2"/>
+            <a:r>
+              <a:rPr lang="en-US" dirty="0"/>
               <a:t>Very attractive for POC development</a:t>
             </a:r>
           </a:p>
@@ -15254,14 +15303,7 @@
             <a:pPr lvl="1"/>
             <a:r>
               <a:rPr lang="en-US" dirty="0"/>
-              <a:t>Rapid development / deployment</a:t>
-            </a:r>
-          </a:p>
-          <a:p>
-            <a:pPr lvl="1"/>
-            <a:r>
-              <a:rPr lang="en-US" dirty="0"/>
-              <a:t>Solution can be scaled up/down and out/in as needed</a:t>
+              <a:t>Solution is elastic (can be scaled up/down and out/in as needed)</a:t>
             </a:r>
           </a:p>
           <a:p>
@@ -15666,8 +15708,8 @@
         </p:blipFill>
         <p:spPr>
           <a:xfrm>
-            <a:off x="8007927" y="1745179"/>
-            <a:ext cx="3972937" cy="3066531"/>
+            <a:off x="8007928" y="1745179"/>
+            <a:ext cx="3328430" cy="2569065"/>
           </a:xfrm>
           <a:prstGeom prst="rect">
             <a:avLst/>
@@ -16768,14 +16810,14 @@
 <file path=customXml/itemProps1.xml><?xml version="1.0" encoding="utf-8"?>
 <ds:datastoreItem xmlns:ds="http://schemas.openxmlformats.org/officeDocument/2006/customXml" ds:itemID="{BCE93D75-22FB-4591-85A9-691A345F2C2A}">
   <ds:schemaRefs>
+    <ds:schemaRef ds:uri="http://schemas.microsoft.com/office/2006/documentManagement/types"/>
     <ds:schemaRef ds:uri="http://schemas.microsoft.com/office/2006/metadata/properties"/>
-    <ds:schemaRef ds:uri="http://schemas.microsoft.com/office/infopath/2007/PartnerControls"/>
-    <ds:schemaRef ds:uri="http://schemas.microsoft.com/office/2006/documentManagement/types"/>
+    <ds:schemaRef ds:uri="http://www.w3.org/XML/1998/namespace"/>
     <ds:schemaRef ds:uri="http://purl.org/dc/elements/1.1/"/>
     <ds:schemaRef ds:uri="http://purl.org/dc/dcmitype/"/>
+    <ds:schemaRef ds:uri="7382964a-ab7e-479b-8672-6bc6ddada04b"/>
+    <ds:schemaRef ds:uri="http://schemas.microsoft.com/office/infopath/2007/PartnerControls"/>
     <ds:schemaRef ds:uri="http://schemas.openxmlformats.org/package/2006/metadata/core-properties"/>
-    <ds:schemaRef ds:uri="7382964a-ab7e-479b-8672-6bc6ddada04b"/>
-    <ds:schemaRef ds:uri="http://www.w3.org/XML/1998/namespace"/>
     <ds:schemaRef ds:uri="http://purl.org/dc/terms/"/>
   </ds:schemaRefs>
 </ds:datastoreItem>

--- a/Docs/IA_OneDay_Azure.pptx
+++ b/Docs/IA_OneDay_Azure.pptx
@@ -158,6 +158,10 @@
 </p:presentation>
 </file>
 
+<file path=ppt/revisionInfo.xml><?xml version="1.0" encoding="utf-8"?>
+<p1510:revInfo xmlns:a="http://schemas.openxmlformats.org/drawingml/2006/main" xmlns:r="http://schemas.openxmlformats.org/officeDocument/2006/relationships" xmlns:p1510="http://schemas.microsoft.com/office/powerpoint/2015/10/main"/>
+</file>
+
 <file path=ppt/notesMasters/notesMaster1.xml><?xml version="1.0" encoding="utf-8"?>
 <p:notesMaster xmlns:a="http://schemas.openxmlformats.org/drawingml/2006/main" xmlns:r="http://schemas.openxmlformats.org/officeDocument/2006/relationships" xmlns:p="http://schemas.openxmlformats.org/presentationml/2006/main">
   <p:cSld>
@@ -240,7 +244,7 @@
           <a:p>
             <a:fld id="{0AFB4FA7-6698-4913-BA29-C460E114679D}" type="datetimeFigureOut">
               <a:rPr lang="en-US" smtClean="0"/>
-              <a:t>11/3/2017</a:t>
+              <a:t>11/7/2017</a:t>
             </a:fld>
             <a:endParaRPr lang="en-US"/>
           </a:p>
@@ -2168,7 +2172,7 @@
             <a:fld id="{B61BEF0D-F0BB-DE4B-95CE-6DB70DBA9567}" type="datetimeFigureOut">
               <a:rPr lang="en-US" smtClean="0"/>
               <a:pPr/>
-              <a:t>11/3/2017</a:t>
+              <a:t>11/7/2017</a:t>
             </a:fld>
             <a:endParaRPr lang="en-US"/>
           </a:p>
@@ -2503,7 +2507,7 @@
             <a:fld id="{B61BEF0D-F0BB-DE4B-95CE-6DB70DBA9567}" type="datetimeFigureOut">
               <a:rPr lang="en-US" dirty="0"/>
               <a:pPr/>
-              <a:t>11/3/2017</a:t>
+              <a:t>11/7/2017</a:t>
             </a:fld>
             <a:endParaRPr lang="en-US"/>
           </a:p>
@@ -2792,7 +2796,7 @@
             <a:fld id="{B61BEF0D-F0BB-DE4B-95CE-6DB70DBA9567}" type="datetimeFigureOut">
               <a:rPr lang="en-US" dirty="0"/>
               <a:pPr/>
-              <a:t>11/3/2017</a:t>
+              <a:t>11/7/2017</a:t>
             </a:fld>
             <a:endParaRPr lang="en-US"/>
           </a:p>
@@ -3039,7 +3043,7 @@
             <a:fld id="{B61BEF0D-F0BB-DE4B-95CE-6DB70DBA9567}" type="datetimeFigureOut">
               <a:rPr lang="en-US" dirty="0"/>
               <a:pPr/>
-              <a:t>11/3/2017</a:t>
+              <a:t>11/7/2017</a:t>
             </a:fld>
             <a:endParaRPr lang="en-US"/>
           </a:p>
@@ -3578,7 +3582,7 @@
             <a:fld id="{B61BEF0D-F0BB-DE4B-95CE-6DB70DBA9567}" type="datetimeFigureOut">
               <a:rPr lang="en-US" dirty="0"/>
               <a:pPr/>
-              <a:t>11/3/2017</a:t>
+              <a:t>11/7/2017</a:t>
             </a:fld>
             <a:endParaRPr lang="en-US"/>
           </a:p>
@@ -3825,7 +3829,7 @@
             <a:fld id="{B61BEF0D-F0BB-DE4B-95CE-6DB70DBA9567}" type="datetimeFigureOut">
               <a:rPr lang="en-US" dirty="0"/>
               <a:pPr/>
-              <a:t>11/3/2017</a:t>
+              <a:t>11/7/2017</a:t>
             </a:fld>
             <a:endParaRPr lang="en-US"/>
           </a:p>
@@ -4356,7 +4360,7 @@
             <a:fld id="{B61BEF0D-F0BB-DE4B-95CE-6DB70DBA9567}" type="datetimeFigureOut">
               <a:rPr lang="en-US" dirty="0"/>
               <a:pPr/>
-              <a:t>11/3/2017</a:t>
+              <a:t>11/7/2017</a:t>
             </a:fld>
             <a:endParaRPr lang="en-US"/>
           </a:p>
@@ -4652,7 +4656,7 @@
             <a:fld id="{B61BEF0D-F0BB-DE4B-95CE-6DB70DBA9567}" type="datetimeFigureOut">
               <a:rPr lang="en-US" dirty="0"/>
               <a:pPr/>
-              <a:t>11/3/2017</a:t>
+              <a:t>11/7/2017</a:t>
             </a:fld>
             <a:endParaRPr lang="en-US"/>
           </a:p>
@@ -4824,7 +4828,7 @@
             <a:fld id="{B61BEF0D-F0BB-DE4B-95CE-6DB70DBA9567}" type="datetimeFigureOut">
               <a:rPr lang="en-US" dirty="0"/>
               <a:pPr/>
-              <a:t>11/3/2017</a:t>
+              <a:t>11/7/2017</a:t>
             </a:fld>
             <a:endParaRPr lang="en-US"/>
           </a:p>
@@ -5002,7 +5006,7 @@
             <a:fld id="{B61BEF0D-F0BB-DE4B-95CE-6DB70DBA9567}" type="datetimeFigureOut">
               <a:rPr lang="en-US" dirty="0"/>
               <a:pPr/>
-              <a:t>11/3/2017</a:t>
+              <a:t>11/7/2017</a:t>
             </a:fld>
             <a:endParaRPr lang="en-US"/>
           </a:p>
@@ -5097,7 +5101,7 @@
             <a:fld id="{B61BEF0D-F0BB-DE4B-95CE-6DB70DBA9567}" type="datetimeFigureOut">
               <a:rPr lang="en-US" dirty="0"/>
               <a:pPr/>
-              <a:t>11/3/2017</a:t>
+              <a:t>11/7/2017</a:t>
             </a:fld>
             <a:endParaRPr lang="en-US"/>
           </a:p>
@@ -5311,7 +5315,7 @@
             <a:fld id="{B61BEF0D-F0BB-DE4B-95CE-6DB70DBA9567}" type="datetimeFigureOut">
               <a:rPr lang="en-US" dirty="0"/>
               <a:pPr/>
-              <a:t>11/3/2017</a:t>
+              <a:t>11/7/2017</a:t>
             </a:fld>
             <a:endParaRPr lang="en-US"/>
           </a:p>
@@ -5506,7 +5510,7 @@
             <a:fld id="{B61BEF0D-F0BB-DE4B-95CE-6DB70DBA9567}" type="datetimeFigureOut">
               <a:rPr lang="en-US" smtClean="0"/>
               <a:pPr/>
-              <a:t>11/3/2017</a:t>
+              <a:t>11/7/2017</a:t>
             </a:fld>
             <a:endParaRPr lang="en-US"/>
           </a:p>
@@ -5704,7 +5708,7 @@
             <a:fld id="{B61BEF0D-F0BB-DE4B-95CE-6DB70DBA9567}" type="datetimeFigureOut">
               <a:rPr lang="en-US" smtClean="0"/>
               <a:pPr/>
-              <a:t>11/3/2017</a:t>
+              <a:t>11/7/2017</a:t>
             </a:fld>
             <a:endParaRPr lang="en-US"/>
           </a:p>
@@ -5954,7 +5958,7 @@
             <a:fld id="{B61BEF0D-F0BB-DE4B-95CE-6DB70DBA9567}" type="datetimeFigureOut">
               <a:rPr lang="en-US" smtClean="0"/>
               <a:pPr/>
-              <a:t>11/3/2017</a:t>
+              <a:t>11/7/2017</a:t>
             </a:fld>
             <a:endParaRPr lang="en-US"/>
           </a:p>
@@ -6188,7 +6192,7 @@
             <a:fld id="{B61BEF0D-F0BB-DE4B-95CE-6DB70DBA9567}" type="datetimeFigureOut">
               <a:rPr lang="en-US" smtClean="0"/>
               <a:pPr/>
-              <a:t>11/3/2017</a:t>
+              <a:t>11/7/2017</a:t>
             </a:fld>
             <a:endParaRPr lang="en-US"/>
           </a:p>
@@ -6557,7 +6561,7 @@
             <a:fld id="{B61BEF0D-F0BB-DE4B-95CE-6DB70DBA9567}" type="datetimeFigureOut">
               <a:rPr lang="en-US" smtClean="0"/>
               <a:pPr/>
-              <a:t>11/3/2017</a:t>
+              <a:t>11/7/2017</a:t>
             </a:fld>
             <a:endParaRPr lang="en-US"/>
           </a:p>
@@ -6679,7 +6683,7 @@
             <a:fld id="{B61BEF0D-F0BB-DE4B-95CE-6DB70DBA9567}" type="datetimeFigureOut">
               <a:rPr lang="en-US" smtClean="0"/>
               <a:pPr/>
-              <a:t>11/3/2017</a:t>
+              <a:t>11/7/2017</a:t>
             </a:fld>
             <a:endParaRPr lang="en-US"/>
           </a:p>
@@ -6779,7 +6783,7 @@
             <a:fld id="{B61BEF0D-F0BB-DE4B-95CE-6DB70DBA9567}" type="datetimeFigureOut">
               <a:rPr lang="en-US" smtClean="0"/>
               <a:pPr/>
-              <a:t>11/3/2017</a:t>
+              <a:t>11/7/2017</a:t>
             </a:fld>
             <a:endParaRPr lang="en-US"/>
           </a:p>
@@ -7059,7 +7063,7 @@
             <a:fld id="{B61BEF0D-F0BB-DE4B-95CE-6DB70DBA9567}" type="datetimeFigureOut">
               <a:rPr lang="en-US" smtClean="0"/>
               <a:pPr/>
-              <a:t>11/3/2017</a:t>
+              <a:t>11/7/2017</a:t>
             </a:fld>
             <a:endParaRPr lang="en-US"/>
           </a:p>
@@ -7319,7 +7323,7 @@
             <a:fld id="{B61BEF0D-F0BB-DE4B-95CE-6DB70DBA9567}" type="datetimeFigureOut">
               <a:rPr lang="en-US" smtClean="0"/>
               <a:pPr/>
-              <a:t>11/3/2017</a:t>
+              <a:t>11/7/2017</a:t>
             </a:fld>
             <a:endParaRPr lang="en-US"/>
           </a:p>
@@ -7492,7 +7496,7 @@
             <a:fld id="{B61BEF0D-F0BB-DE4B-95CE-6DB70DBA9567}" type="datetimeFigureOut">
               <a:rPr lang="en-US" smtClean="0"/>
               <a:pPr/>
-              <a:t>11/3/2017</a:t>
+              <a:t>11/7/2017</a:t>
             </a:fld>
             <a:endParaRPr lang="en-US"/>
           </a:p>
@@ -7622,7 +7626,7 @@
             <a:fld id="{B61BEF0D-F0BB-DE4B-95CE-6DB70DBA9567}" type="datetimeFigureOut">
               <a:rPr lang="en-US" dirty="0"/>
               <a:pPr/>
-              <a:t>11/3/2017</a:t>
+              <a:t>11/7/2017</a:t>
             </a:fld>
             <a:endParaRPr lang="en-US"/>
           </a:p>
@@ -7810,7 +7814,7 @@
             <a:fld id="{B61BEF0D-F0BB-DE4B-95CE-6DB70DBA9567}" type="datetimeFigureOut">
               <a:rPr lang="en-US" smtClean="0"/>
               <a:pPr/>
-              <a:t>11/3/2017</a:t>
+              <a:t>11/7/2017</a:t>
             </a:fld>
             <a:endParaRPr lang="en-US"/>
           </a:p>
@@ -7982,7 +7986,7 @@
           <a:p>
             <a:fld id="{B645C266-14C2-45DB-BF1E-55F4FE14172A}" type="datetimeFigureOut">
               <a:rPr lang="en-US" smtClean="0"/>
-              <a:t>11/3/2017</a:t>
+              <a:t>11/7/2017</a:t>
             </a:fld>
             <a:endParaRPr lang="en-US"/>
           </a:p>
@@ -8107,7 +8111,7 @@
             <a:fld id="{B61BEF0D-F0BB-DE4B-95CE-6DB70DBA9567}" type="datetimeFigureOut">
               <a:rPr lang="en-US" dirty="0"/>
               <a:pPr/>
-              <a:t>11/3/2017</a:t>
+              <a:t>11/7/2017</a:t>
             </a:fld>
             <a:endParaRPr lang="en-US"/>
           </a:p>
@@ -8212,7 +8216,7 @@
             <a:fld id="{B61BEF0D-F0BB-DE4B-95CE-6DB70DBA9567}" type="datetimeFigureOut">
               <a:rPr lang="en-US" dirty="0"/>
               <a:pPr/>
-              <a:t>11/3/2017</a:t>
+              <a:t>11/7/2017</a:t>
             </a:fld>
             <a:endParaRPr lang="en-US"/>
           </a:p>
@@ -8965,7 +8969,7 @@
             <a:fld id="{B61BEF0D-F0BB-DE4B-95CE-6DB70DBA9567}" type="datetimeFigureOut">
               <a:rPr lang="en-US" dirty="0"/>
               <a:pPr/>
-              <a:t>11/3/2017</a:t>
+              <a:t>11/7/2017</a:t>
             </a:fld>
             <a:endParaRPr lang="en-US"/>
           </a:p>
@@ -9259,7 +9263,7 @@
             <a:fld id="{B61BEF0D-F0BB-DE4B-95CE-6DB70DBA9567}" type="datetimeFigureOut">
               <a:rPr lang="en-US" dirty="0"/>
               <a:pPr/>
-              <a:t>11/3/2017</a:t>
+              <a:t>11/7/2017</a:t>
             </a:fld>
             <a:endParaRPr lang="en-US"/>
           </a:p>
@@ -9694,7 +9698,7 @@
             <a:fld id="{B61BEF0D-F0BB-DE4B-95CE-6DB70DBA9567}" type="datetimeFigureOut">
               <a:rPr lang="en-US" dirty="0"/>
               <a:pPr/>
-              <a:t>11/3/2017</a:t>
+              <a:t>11/7/2017</a:t>
             </a:fld>
             <a:endParaRPr lang="en-US"/>
           </a:p>
@@ -9811,7 +9815,7 @@
             <a:fld id="{B61BEF0D-F0BB-DE4B-95CE-6DB70DBA9567}" type="datetimeFigureOut">
               <a:rPr lang="en-US" dirty="0"/>
               <a:pPr/>
-              <a:t>11/3/2017</a:t>
+              <a:t>11/7/2017</a:t>
             </a:fld>
             <a:endParaRPr lang="en-US"/>
           </a:p>
@@ -9906,7 +9910,7 @@
             <a:fld id="{B61BEF0D-F0BB-DE4B-95CE-6DB70DBA9567}" type="datetimeFigureOut">
               <a:rPr lang="en-US" dirty="0"/>
               <a:pPr/>
-              <a:t>11/3/2017</a:t>
+              <a:t>11/7/2017</a:t>
             </a:fld>
             <a:endParaRPr lang="en-US"/>
           </a:p>
@@ -10187,7 +10191,7 @@
             <a:fld id="{B61BEF0D-F0BB-DE4B-95CE-6DB70DBA9567}" type="datetimeFigureOut">
               <a:rPr lang="en-US" dirty="0"/>
               <a:pPr/>
-              <a:t>11/3/2017</a:t>
+              <a:t>11/7/2017</a:t>
             </a:fld>
             <a:endParaRPr lang="en-US"/>
           </a:p>
@@ -10730,7 +10734,7 @@
             <a:fld id="{B61BEF0D-F0BB-DE4B-95CE-6DB70DBA9567}" type="datetimeFigureOut">
               <a:rPr lang="en-US" smtClean="0"/>
               <a:pPr/>
-              <a:t>11/3/2017</a:t>
+              <a:t>11/7/2017</a:t>
             </a:fld>
             <a:endParaRPr lang="en-US"/>
           </a:p>
@@ -11413,7 +11417,7 @@
           <a:p>
             <a:fld id="{956E8CAF-C796-4DD7-94D7-FA0C4ED66C95}" type="datetimeFigureOut">
               <a:rPr lang="en-US" smtClean="0"/>
-              <a:t>11/3/2017</a:t>
+              <a:t>11/7/2017</a:t>
             </a:fld>
             <a:endParaRPr lang="en-US"/>
           </a:p>
@@ -11851,46 +11855,17 @@
       </p:grpSpPr>
       <p:sp>
         <p:nvSpPr>
-          <p:cNvPr id="2" name="Title 1"/>
-          <p:cNvSpPr>
-            <a:spLocks noGrp="1"/>
-          </p:cNvSpPr>
-          <p:nvPr>
-            <p:ph type="ctrTitle"/>
+          <p:cNvPr id="3" name="Subtitle 2"/>
+          <p:cNvSpPr>
+            <a:spLocks noGrp="1"/>
+          </p:cNvSpPr>
+          <p:nvPr>
+            <p:ph type="subTitle" idx="1"/>
           </p:nvPr>
         </p:nvSpPr>
         <p:spPr>
           <a:xfrm>
-            <a:off x="2676698" y="1263228"/>
-            <a:ext cx="8826325" cy="2616199"/>
-          </a:xfrm>
-        </p:spPr>
-        <p:txBody>
-          <a:bodyPr>
-            <a:normAutofit/>
-          </a:bodyPr>
-          <a:lstStyle/>
-          <a:p>
-            <a:r>
-              <a:rPr lang="en-US" dirty="0"/>
-              <a:t>IA One Day – Azure PaaS</a:t>
-            </a:r>
-          </a:p>
-        </p:txBody>
-      </p:sp>
-      <p:sp>
-        <p:nvSpPr>
-          <p:cNvPr id="3" name="Subtitle 2"/>
-          <p:cNvSpPr>
-            <a:spLocks noGrp="1"/>
-          </p:cNvSpPr>
-          <p:nvPr>
-            <p:ph type="subTitle" idx="1"/>
-          </p:nvPr>
-        </p:nvSpPr>
-        <p:spPr>
-          <a:xfrm>
-            <a:off x="4413778" y="3823547"/>
+            <a:off x="4413778" y="3991187"/>
             <a:ext cx="6987645" cy="875775"/>
           </a:xfrm>
         </p:spPr>
@@ -11913,6 +11888,36 @@
           </a:p>
         </p:txBody>
       </p:sp>
+      <p:pic>
+        <p:nvPicPr>
+          <p:cNvPr id="7" name="Picture 6">
+            <a:extLst>
+              <a:ext uri="{FF2B5EF4-FFF2-40B4-BE49-F238E27FC236}">
+                <a16:creationId xmlns:a16="http://schemas.microsoft.com/office/drawing/2014/main" id="{41850D33-A468-46DB-8B58-507F91DE53AF}"/>
+              </a:ext>
+            </a:extLst>
+          </p:cNvPr>
+          <p:cNvPicPr>
+            <a:picLocks noChangeAspect="1"/>
+          </p:cNvPicPr>
+          <p:nvPr/>
+        </p:nvPicPr>
+        <p:blipFill>
+          <a:blip r:embed="rId3"/>
+          <a:stretch>
+            <a:fillRect/>
+          </a:stretch>
+        </p:blipFill>
+        <p:spPr>
+          <a:xfrm>
+            <a:off x="4608194" y="1851974"/>
+            <a:ext cx="6963428" cy="1971573"/>
+          </a:xfrm>
+          <a:prstGeom prst="rect">
+            <a:avLst/>
+          </a:prstGeom>
+        </p:spPr>
+      </p:pic>
     </p:spTree>
     <p:extLst>
       <p:ext uri="{BB962C8B-B14F-4D97-AF65-F5344CB8AC3E}">
@@ -16661,12 +16666,6 @@
 </file>
 
 <file path=customXml/item1.xml><?xml version="1.0" encoding="utf-8"?>
-<p:properties xmlns:p="http://schemas.microsoft.com/office/2006/metadata/properties" xmlns:xsi="http://www.w3.org/2001/XMLSchema-instance" xmlns:pc="http://schemas.microsoft.com/office/infopath/2007/PartnerControls">
-  <documentManagement/>
-</p:properties>
-</file>
-
-<file path=customXml/item2.xml><?xml version="1.0" encoding="utf-8"?>
 <ct:contentTypeSchema xmlns:ct="http://schemas.microsoft.com/office/2006/metadata/contentType" xmlns:ma="http://schemas.microsoft.com/office/2006/metadata/properties/metaAttributes" ct:_="" ma:_="" ma:contentTypeName="Document" ma:contentTypeID="0x0101002C9267F215FF1E42954B92B5CA29562B" ma:contentTypeVersion="2" ma:contentTypeDescription="Create a new document." ma:contentTypeScope="" ma:versionID="fda6c542c7dcf2d0c03b2ab11e1a5f3a">
   <xsd:schema xmlns:xsd="http://www.w3.org/2001/XMLSchema" xmlns:xs="http://www.w3.org/2001/XMLSchema" xmlns:p="http://schemas.microsoft.com/office/2006/metadata/properties" xmlns:ns2="7382964a-ab7e-479b-8672-6bc6ddada04b" targetNamespace="http://schemas.microsoft.com/office/2006/metadata/properties" ma:root="true" ma:fieldsID="51579991f9a93de9f39b74a4b151cd6f" ns2:_="">
     <xsd:import namespace="7382964a-ab7e-479b-8672-6bc6ddada04b"/>
@@ -16798,6 +16797,12 @@
 </ct:contentTypeSchema>
 </file>
 
+<file path=customXml/item2.xml><?xml version="1.0" encoding="utf-8"?>
+<p:properties xmlns:p="http://schemas.microsoft.com/office/2006/metadata/properties" xmlns:xsi="http://www.w3.org/2001/XMLSchema-instance" xmlns:pc="http://schemas.microsoft.com/office/infopath/2007/PartnerControls">
+  <documentManagement/>
+</p:properties>
+</file>
+
 <file path=customXml/item3.xml><?xml version="1.0" encoding="utf-8"?>
 <?mso-contentType ?>
 <FormTemplates xmlns="http://schemas.microsoft.com/sharepoint/v3/contenttype/forms">
@@ -16808,22 +16813,6 @@
 </file>
 
 <file path=customXml/itemProps1.xml><?xml version="1.0" encoding="utf-8"?>
-<ds:datastoreItem xmlns:ds="http://schemas.openxmlformats.org/officeDocument/2006/customXml" ds:itemID="{BCE93D75-22FB-4591-85A9-691A345F2C2A}">
-  <ds:schemaRefs>
-    <ds:schemaRef ds:uri="http://schemas.microsoft.com/office/2006/documentManagement/types"/>
-    <ds:schemaRef ds:uri="http://schemas.microsoft.com/office/2006/metadata/properties"/>
-    <ds:schemaRef ds:uri="http://www.w3.org/XML/1998/namespace"/>
-    <ds:schemaRef ds:uri="http://purl.org/dc/elements/1.1/"/>
-    <ds:schemaRef ds:uri="http://purl.org/dc/dcmitype/"/>
-    <ds:schemaRef ds:uri="7382964a-ab7e-479b-8672-6bc6ddada04b"/>
-    <ds:schemaRef ds:uri="http://schemas.microsoft.com/office/infopath/2007/PartnerControls"/>
-    <ds:schemaRef ds:uri="http://schemas.openxmlformats.org/package/2006/metadata/core-properties"/>
-    <ds:schemaRef ds:uri="http://purl.org/dc/terms/"/>
-  </ds:schemaRefs>
-</ds:datastoreItem>
-</file>
-
-<file path=customXml/itemProps2.xml><?xml version="1.0" encoding="utf-8"?>
 <ds:datastoreItem xmlns:ds="http://schemas.openxmlformats.org/officeDocument/2006/customXml" ds:itemID="{A9CBFED1-9696-49D6-9618-B2446114957C}">
   <ds:schemaRefs>
     <ds:schemaRef ds:uri="http://schemas.microsoft.com/office/2006/metadata/contentType"/>
@@ -16841,6 +16830,22 @@
 </ds:datastoreItem>
 </file>
 
+<file path=customXml/itemProps2.xml><?xml version="1.0" encoding="utf-8"?>
+<ds:datastoreItem xmlns:ds="http://schemas.openxmlformats.org/officeDocument/2006/customXml" ds:itemID="{BCE93D75-22FB-4591-85A9-691A345F2C2A}">
+  <ds:schemaRefs>
+    <ds:schemaRef ds:uri="http://schemas.microsoft.com/office/infopath/2007/PartnerControls"/>
+    <ds:schemaRef ds:uri="7382964a-ab7e-479b-8672-6bc6ddada04b"/>
+    <ds:schemaRef ds:uri="http://purl.org/dc/elements/1.1/"/>
+    <ds:schemaRef ds:uri="http://schemas.microsoft.com/office/2006/metadata/properties"/>
+    <ds:schemaRef ds:uri="http://schemas.microsoft.com/office/2006/documentManagement/types"/>
+    <ds:schemaRef ds:uri="http://purl.org/dc/terms/"/>
+    <ds:schemaRef ds:uri="http://schemas.openxmlformats.org/package/2006/metadata/core-properties"/>
+    <ds:schemaRef ds:uri="http://purl.org/dc/dcmitype/"/>
+    <ds:schemaRef ds:uri="http://www.w3.org/XML/1998/namespace"/>
+  </ds:schemaRefs>
+</ds:datastoreItem>
+</file>
+
 <file path=customXml/itemProps3.xml><?xml version="1.0" encoding="utf-8"?>
 <ds:datastoreItem xmlns:ds="http://schemas.openxmlformats.org/officeDocument/2006/customXml" ds:itemID="{35716B5C-A2BF-4AF0-930F-734369349F6C}">
   <ds:schemaRefs>

--- a/Docs/IA_OneDay_Azure.pptx
+++ b/Docs/IA_OneDay_Azure.pptx
@@ -244,7 +244,7 @@
           <a:p>
             <a:fld id="{0AFB4FA7-6698-4913-BA29-C460E114679D}" type="datetimeFigureOut">
               <a:rPr lang="en-US" smtClean="0"/>
-              <a:t>11/7/2017</a:t>
+              <a:t>11/10/2017</a:t>
             </a:fld>
             <a:endParaRPr lang="en-US"/>
           </a:p>
@@ -2172,7 +2172,7 @@
             <a:fld id="{B61BEF0D-F0BB-DE4B-95CE-6DB70DBA9567}" type="datetimeFigureOut">
               <a:rPr lang="en-US" smtClean="0"/>
               <a:pPr/>
-              <a:t>11/7/2017</a:t>
+              <a:t>11/10/2017</a:t>
             </a:fld>
             <a:endParaRPr lang="en-US"/>
           </a:p>
@@ -2507,7 +2507,7 @@
             <a:fld id="{B61BEF0D-F0BB-DE4B-95CE-6DB70DBA9567}" type="datetimeFigureOut">
               <a:rPr lang="en-US" dirty="0"/>
               <a:pPr/>
-              <a:t>11/7/2017</a:t>
+              <a:t>11/10/2017</a:t>
             </a:fld>
             <a:endParaRPr lang="en-US"/>
           </a:p>
@@ -2796,7 +2796,7 @@
             <a:fld id="{B61BEF0D-F0BB-DE4B-95CE-6DB70DBA9567}" type="datetimeFigureOut">
               <a:rPr lang="en-US" dirty="0"/>
               <a:pPr/>
-              <a:t>11/7/2017</a:t>
+              <a:t>11/10/2017</a:t>
             </a:fld>
             <a:endParaRPr lang="en-US"/>
           </a:p>
@@ -3043,7 +3043,7 @@
             <a:fld id="{B61BEF0D-F0BB-DE4B-95CE-6DB70DBA9567}" type="datetimeFigureOut">
               <a:rPr lang="en-US" dirty="0"/>
               <a:pPr/>
-              <a:t>11/7/2017</a:t>
+              <a:t>11/10/2017</a:t>
             </a:fld>
             <a:endParaRPr lang="en-US"/>
           </a:p>
@@ -3582,7 +3582,7 @@
             <a:fld id="{B61BEF0D-F0BB-DE4B-95CE-6DB70DBA9567}" type="datetimeFigureOut">
               <a:rPr lang="en-US" dirty="0"/>
               <a:pPr/>
-              <a:t>11/7/2017</a:t>
+              <a:t>11/10/2017</a:t>
             </a:fld>
             <a:endParaRPr lang="en-US"/>
           </a:p>
@@ -3829,7 +3829,7 @@
             <a:fld id="{B61BEF0D-F0BB-DE4B-95CE-6DB70DBA9567}" type="datetimeFigureOut">
               <a:rPr lang="en-US" dirty="0"/>
               <a:pPr/>
-              <a:t>11/7/2017</a:t>
+              <a:t>11/10/2017</a:t>
             </a:fld>
             <a:endParaRPr lang="en-US"/>
           </a:p>
@@ -4360,7 +4360,7 @@
             <a:fld id="{B61BEF0D-F0BB-DE4B-95CE-6DB70DBA9567}" type="datetimeFigureOut">
               <a:rPr lang="en-US" dirty="0"/>
               <a:pPr/>
-              <a:t>11/7/2017</a:t>
+              <a:t>11/10/2017</a:t>
             </a:fld>
             <a:endParaRPr lang="en-US"/>
           </a:p>
@@ -4656,7 +4656,7 @@
             <a:fld id="{B61BEF0D-F0BB-DE4B-95CE-6DB70DBA9567}" type="datetimeFigureOut">
               <a:rPr lang="en-US" dirty="0"/>
               <a:pPr/>
-              <a:t>11/7/2017</a:t>
+              <a:t>11/10/2017</a:t>
             </a:fld>
             <a:endParaRPr lang="en-US"/>
           </a:p>
@@ -4828,7 +4828,7 @@
             <a:fld id="{B61BEF0D-F0BB-DE4B-95CE-6DB70DBA9567}" type="datetimeFigureOut">
               <a:rPr lang="en-US" dirty="0"/>
               <a:pPr/>
-              <a:t>11/7/2017</a:t>
+              <a:t>11/10/2017</a:t>
             </a:fld>
             <a:endParaRPr lang="en-US"/>
           </a:p>
@@ -5006,7 +5006,7 @@
             <a:fld id="{B61BEF0D-F0BB-DE4B-95CE-6DB70DBA9567}" type="datetimeFigureOut">
               <a:rPr lang="en-US" dirty="0"/>
               <a:pPr/>
-              <a:t>11/7/2017</a:t>
+              <a:t>11/10/2017</a:t>
             </a:fld>
             <a:endParaRPr lang="en-US"/>
           </a:p>
@@ -5101,7 +5101,7 @@
             <a:fld id="{B61BEF0D-F0BB-DE4B-95CE-6DB70DBA9567}" type="datetimeFigureOut">
               <a:rPr lang="en-US" dirty="0"/>
               <a:pPr/>
-              <a:t>11/7/2017</a:t>
+              <a:t>11/10/2017</a:t>
             </a:fld>
             <a:endParaRPr lang="en-US"/>
           </a:p>
@@ -5315,7 +5315,7 @@
             <a:fld id="{B61BEF0D-F0BB-DE4B-95CE-6DB70DBA9567}" type="datetimeFigureOut">
               <a:rPr lang="en-US" dirty="0"/>
               <a:pPr/>
-              <a:t>11/7/2017</a:t>
+              <a:t>11/10/2017</a:t>
             </a:fld>
             <a:endParaRPr lang="en-US"/>
           </a:p>
@@ -5510,7 +5510,7 @@
             <a:fld id="{B61BEF0D-F0BB-DE4B-95CE-6DB70DBA9567}" type="datetimeFigureOut">
               <a:rPr lang="en-US" smtClean="0"/>
               <a:pPr/>
-              <a:t>11/7/2017</a:t>
+              <a:t>11/10/2017</a:t>
             </a:fld>
             <a:endParaRPr lang="en-US"/>
           </a:p>
@@ -5708,7 +5708,7 @@
             <a:fld id="{B61BEF0D-F0BB-DE4B-95CE-6DB70DBA9567}" type="datetimeFigureOut">
               <a:rPr lang="en-US" smtClean="0"/>
               <a:pPr/>
-              <a:t>11/7/2017</a:t>
+              <a:t>11/10/2017</a:t>
             </a:fld>
             <a:endParaRPr lang="en-US"/>
           </a:p>
@@ -5958,7 +5958,7 @@
             <a:fld id="{B61BEF0D-F0BB-DE4B-95CE-6DB70DBA9567}" type="datetimeFigureOut">
               <a:rPr lang="en-US" smtClean="0"/>
               <a:pPr/>
-              <a:t>11/7/2017</a:t>
+              <a:t>11/10/2017</a:t>
             </a:fld>
             <a:endParaRPr lang="en-US"/>
           </a:p>
@@ -6192,7 +6192,7 @@
             <a:fld id="{B61BEF0D-F0BB-DE4B-95CE-6DB70DBA9567}" type="datetimeFigureOut">
               <a:rPr lang="en-US" smtClean="0"/>
               <a:pPr/>
-              <a:t>11/7/2017</a:t>
+              <a:t>11/10/2017</a:t>
             </a:fld>
             <a:endParaRPr lang="en-US"/>
           </a:p>
@@ -6561,7 +6561,7 @@
             <a:fld id="{B61BEF0D-F0BB-DE4B-95CE-6DB70DBA9567}" type="datetimeFigureOut">
               <a:rPr lang="en-US" smtClean="0"/>
               <a:pPr/>
-              <a:t>11/7/2017</a:t>
+              <a:t>11/10/2017</a:t>
             </a:fld>
             <a:endParaRPr lang="en-US"/>
           </a:p>
@@ -6683,7 +6683,7 @@
             <a:fld id="{B61BEF0D-F0BB-DE4B-95CE-6DB70DBA9567}" type="datetimeFigureOut">
               <a:rPr lang="en-US" smtClean="0"/>
               <a:pPr/>
-              <a:t>11/7/2017</a:t>
+              <a:t>11/10/2017</a:t>
             </a:fld>
             <a:endParaRPr lang="en-US"/>
           </a:p>
@@ -6783,7 +6783,7 @@
             <a:fld id="{B61BEF0D-F0BB-DE4B-95CE-6DB70DBA9567}" type="datetimeFigureOut">
               <a:rPr lang="en-US" smtClean="0"/>
               <a:pPr/>
-              <a:t>11/7/2017</a:t>
+              <a:t>11/10/2017</a:t>
             </a:fld>
             <a:endParaRPr lang="en-US"/>
           </a:p>
@@ -7063,7 +7063,7 @@
             <a:fld id="{B61BEF0D-F0BB-DE4B-95CE-6DB70DBA9567}" type="datetimeFigureOut">
               <a:rPr lang="en-US" smtClean="0"/>
               <a:pPr/>
-              <a:t>11/7/2017</a:t>
+              <a:t>11/10/2017</a:t>
             </a:fld>
             <a:endParaRPr lang="en-US"/>
           </a:p>
@@ -7323,7 +7323,7 @@
             <a:fld id="{B61BEF0D-F0BB-DE4B-95CE-6DB70DBA9567}" type="datetimeFigureOut">
               <a:rPr lang="en-US" smtClean="0"/>
               <a:pPr/>
-              <a:t>11/7/2017</a:t>
+              <a:t>11/10/2017</a:t>
             </a:fld>
             <a:endParaRPr lang="en-US"/>
           </a:p>
@@ -7496,7 +7496,7 @@
             <a:fld id="{B61BEF0D-F0BB-DE4B-95CE-6DB70DBA9567}" type="datetimeFigureOut">
               <a:rPr lang="en-US" smtClean="0"/>
               <a:pPr/>
-              <a:t>11/7/2017</a:t>
+              <a:t>11/10/2017</a:t>
             </a:fld>
             <a:endParaRPr lang="en-US"/>
           </a:p>
@@ -7626,7 +7626,7 @@
             <a:fld id="{B61BEF0D-F0BB-DE4B-95CE-6DB70DBA9567}" type="datetimeFigureOut">
               <a:rPr lang="en-US" dirty="0"/>
               <a:pPr/>
-              <a:t>11/7/2017</a:t>
+              <a:t>11/10/2017</a:t>
             </a:fld>
             <a:endParaRPr lang="en-US"/>
           </a:p>
@@ -7814,7 +7814,7 @@
             <a:fld id="{B61BEF0D-F0BB-DE4B-95CE-6DB70DBA9567}" type="datetimeFigureOut">
               <a:rPr lang="en-US" smtClean="0"/>
               <a:pPr/>
-              <a:t>11/7/2017</a:t>
+              <a:t>11/10/2017</a:t>
             </a:fld>
             <a:endParaRPr lang="en-US"/>
           </a:p>
@@ -7986,7 +7986,7 @@
           <a:p>
             <a:fld id="{B645C266-14C2-45DB-BF1E-55F4FE14172A}" type="datetimeFigureOut">
               <a:rPr lang="en-US" smtClean="0"/>
-              <a:t>11/7/2017</a:t>
+              <a:t>11/10/2017</a:t>
             </a:fld>
             <a:endParaRPr lang="en-US"/>
           </a:p>
@@ -8111,7 +8111,7 @@
             <a:fld id="{B61BEF0D-F0BB-DE4B-95CE-6DB70DBA9567}" type="datetimeFigureOut">
               <a:rPr lang="en-US" dirty="0"/>
               <a:pPr/>
-              <a:t>11/7/2017</a:t>
+              <a:t>11/10/2017</a:t>
             </a:fld>
             <a:endParaRPr lang="en-US"/>
           </a:p>
@@ -8216,7 +8216,7 @@
             <a:fld id="{B61BEF0D-F0BB-DE4B-95CE-6DB70DBA9567}" type="datetimeFigureOut">
               <a:rPr lang="en-US" dirty="0"/>
               <a:pPr/>
-              <a:t>11/7/2017</a:t>
+              <a:t>11/10/2017</a:t>
             </a:fld>
             <a:endParaRPr lang="en-US"/>
           </a:p>
@@ -8969,7 +8969,7 @@
             <a:fld id="{B61BEF0D-F0BB-DE4B-95CE-6DB70DBA9567}" type="datetimeFigureOut">
               <a:rPr lang="en-US" dirty="0"/>
               <a:pPr/>
-              <a:t>11/7/2017</a:t>
+              <a:t>11/10/2017</a:t>
             </a:fld>
             <a:endParaRPr lang="en-US"/>
           </a:p>
@@ -9263,7 +9263,7 @@
             <a:fld id="{B61BEF0D-F0BB-DE4B-95CE-6DB70DBA9567}" type="datetimeFigureOut">
               <a:rPr lang="en-US" dirty="0"/>
               <a:pPr/>
-              <a:t>11/7/2017</a:t>
+              <a:t>11/10/2017</a:t>
             </a:fld>
             <a:endParaRPr lang="en-US"/>
           </a:p>
@@ -9698,7 +9698,7 @@
             <a:fld id="{B61BEF0D-F0BB-DE4B-95CE-6DB70DBA9567}" type="datetimeFigureOut">
               <a:rPr lang="en-US" dirty="0"/>
               <a:pPr/>
-              <a:t>11/7/2017</a:t>
+              <a:t>11/10/2017</a:t>
             </a:fld>
             <a:endParaRPr lang="en-US"/>
           </a:p>
@@ -9815,7 +9815,7 @@
             <a:fld id="{B61BEF0D-F0BB-DE4B-95CE-6DB70DBA9567}" type="datetimeFigureOut">
               <a:rPr lang="en-US" dirty="0"/>
               <a:pPr/>
-              <a:t>11/7/2017</a:t>
+              <a:t>11/10/2017</a:t>
             </a:fld>
             <a:endParaRPr lang="en-US"/>
           </a:p>
@@ -9910,7 +9910,7 @@
             <a:fld id="{B61BEF0D-F0BB-DE4B-95CE-6DB70DBA9567}" type="datetimeFigureOut">
               <a:rPr lang="en-US" dirty="0"/>
               <a:pPr/>
-              <a:t>11/7/2017</a:t>
+              <a:t>11/10/2017</a:t>
             </a:fld>
             <a:endParaRPr lang="en-US"/>
           </a:p>
@@ -10191,7 +10191,7 @@
             <a:fld id="{B61BEF0D-F0BB-DE4B-95CE-6DB70DBA9567}" type="datetimeFigureOut">
               <a:rPr lang="en-US" dirty="0"/>
               <a:pPr/>
-              <a:t>11/7/2017</a:t>
+              <a:t>11/10/2017</a:t>
             </a:fld>
             <a:endParaRPr lang="en-US"/>
           </a:p>
@@ -10734,7 +10734,7 @@
             <a:fld id="{B61BEF0D-F0BB-DE4B-95CE-6DB70DBA9567}" type="datetimeFigureOut">
               <a:rPr lang="en-US" smtClean="0"/>
               <a:pPr/>
-              <a:t>11/7/2017</a:t>
+              <a:t>11/10/2017</a:t>
             </a:fld>
             <a:endParaRPr lang="en-US"/>
           </a:p>
@@ -11417,7 +11417,7 @@
           <a:p>
             <a:fld id="{956E8CAF-C796-4DD7-94D7-FA0C4ED66C95}" type="datetimeFigureOut">
               <a:rPr lang="en-US" smtClean="0"/>
-              <a:t>11/7/2017</a:t>
+              <a:t>11/10/2017</a:t>
             </a:fld>
             <a:endParaRPr lang="en-US"/>
           </a:p>
@@ -13933,14 +13933,49 @@
         </p:blipFill>
         <p:spPr>
           <a:xfrm>
-            <a:off x="2881040" y="2046769"/>
-            <a:ext cx="7599044" cy="3902410"/>
+            <a:off x="2475168" y="1685581"/>
+            <a:ext cx="8302373" cy="4263597"/>
           </a:xfrm>
           <a:prstGeom prst="rect">
             <a:avLst/>
           </a:prstGeom>
         </p:spPr>
       </p:pic>
+      <p:sp>
+        <p:nvSpPr>
+          <p:cNvPr id="3" name="TextBox 2">
+            <a:extLst>
+              <a:ext uri="{FF2B5EF4-FFF2-40B4-BE49-F238E27FC236}">
+                <a16:creationId xmlns:a16="http://schemas.microsoft.com/office/drawing/2014/main" id="{264D2CB5-B685-4242-96FE-5A75BA31DB21}"/>
+              </a:ext>
+            </a:extLst>
+          </p:cNvPr>
+          <p:cNvSpPr txBox="1"/>
+          <p:nvPr/>
+        </p:nvSpPr>
+        <p:spPr>
+          <a:xfrm flipH="1">
+            <a:off x="4296234" y="1685581"/>
+            <a:ext cx="5101152" cy="369332"/>
+          </a:xfrm>
+          <a:prstGeom prst="rect">
+            <a:avLst/>
+          </a:prstGeom>
+          <a:noFill/>
+        </p:spPr>
+        <p:txBody>
+          <a:bodyPr wrap="square" rtlCol="0">
+            <a:spAutoFit/>
+          </a:bodyPr>
+          <a:lstStyle/>
+          <a:p>
+            <a:r>
+              <a:rPr lang="en-US" dirty="0"/>
+              <a:t>Repo: https://github.com/johnglisson/IAOneDay</a:t>
+            </a:r>
+          </a:p>
+        </p:txBody>
+      </p:sp>
     </p:spTree>
     <p:extLst>
       <p:ext uri="{BB962C8B-B14F-4D97-AF65-F5344CB8AC3E}">
@@ -16666,6 +16701,12 @@
 </file>
 
 <file path=customXml/item1.xml><?xml version="1.0" encoding="utf-8"?>
+<p:properties xmlns:p="http://schemas.microsoft.com/office/2006/metadata/properties" xmlns:xsi="http://www.w3.org/2001/XMLSchema-instance" xmlns:pc="http://schemas.microsoft.com/office/infopath/2007/PartnerControls">
+  <documentManagement/>
+</p:properties>
+</file>
+
+<file path=customXml/item2.xml><?xml version="1.0" encoding="utf-8"?>
 <ct:contentTypeSchema xmlns:ct="http://schemas.microsoft.com/office/2006/metadata/contentType" xmlns:ma="http://schemas.microsoft.com/office/2006/metadata/properties/metaAttributes" ct:_="" ma:_="" ma:contentTypeName="Document" ma:contentTypeID="0x0101002C9267F215FF1E42954B92B5CA29562B" ma:contentTypeVersion="2" ma:contentTypeDescription="Create a new document." ma:contentTypeScope="" ma:versionID="fda6c542c7dcf2d0c03b2ab11e1a5f3a">
   <xsd:schema xmlns:xsd="http://www.w3.org/2001/XMLSchema" xmlns:xs="http://www.w3.org/2001/XMLSchema" xmlns:p="http://schemas.microsoft.com/office/2006/metadata/properties" xmlns:ns2="7382964a-ab7e-479b-8672-6bc6ddada04b" targetNamespace="http://schemas.microsoft.com/office/2006/metadata/properties" ma:root="true" ma:fieldsID="51579991f9a93de9f39b74a4b151cd6f" ns2:_="">
     <xsd:import namespace="7382964a-ab7e-479b-8672-6bc6ddada04b"/>
@@ -16797,12 +16838,6 @@
 </ct:contentTypeSchema>
 </file>
 
-<file path=customXml/item2.xml><?xml version="1.0" encoding="utf-8"?>
-<p:properties xmlns:p="http://schemas.microsoft.com/office/2006/metadata/properties" xmlns:xsi="http://www.w3.org/2001/XMLSchema-instance" xmlns:pc="http://schemas.microsoft.com/office/infopath/2007/PartnerControls">
-  <documentManagement/>
-</p:properties>
-</file>
-
 <file path=customXml/item3.xml><?xml version="1.0" encoding="utf-8"?>
 <?mso-contentType ?>
 <FormTemplates xmlns="http://schemas.microsoft.com/sharepoint/v3/contenttype/forms">
@@ -16813,6 +16848,22 @@
 </file>
 
 <file path=customXml/itemProps1.xml><?xml version="1.0" encoding="utf-8"?>
+<ds:datastoreItem xmlns:ds="http://schemas.openxmlformats.org/officeDocument/2006/customXml" ds:itemID="{BCE93D75-22FB-4591-85A9-691A345F2C2A}">
+  <ds:schemaRefs>
+    <ds:schemaRef ds:uri="http://schemas.microsoft.com/office/infopath/2007/PartnerControls"/>
+    <ds:schemaRef ds:uri="7382964a-ab7e-479b-8672-6bc6ddada04b"/>
+    <ds:schemaRef ds:uri="http://purl.org/dc/elements/1.1/"/>
+    <ds:schemaRef ds:uri="http://schemas.microsoft.com/office/2006/metadata/properties"/>
+    <ds:schemaRef ds:uri="http://schemas.microsoft.com/office/2006/documentManagement/types"/>
+    <ds:schemaRef ds:uri="http://purl.org/dc/terms/"/>
+    <ds:schemaRef ds:uri="http://schemas.openxmlformats.org/package/2006/metadata/core-properties"/>
+    <ds:schemaRef ds:uri="http://purl.org/dc/dcmitype/"/>
+    <ds:schemaRef ds:uri="http://www.w3.org/XML/1998/namespace"/>
+  </ds:schemaRefs>
+</ds:datastoreItem>
+</file>
+
+<file path=customXml/itemProps2.xml><?xml version="1.0" encoding="utf-8"?>
 <ds:datastoreItem xmlns:ds="http://schemas.openxmlformats.org/officeDocument/2006/customXml" ds:itemID="{A9CBFED1-9696-49D6-9618-B2446114957C}">
   <ds:schemaRefs>
     <ds:schemaRef ds:uri="http://schemas.microsoft.com/office/2006/metadata/contentType"/>
@@ -16830,22 +16881,6 @@
 </ds:datastoreItem>
 </file>
 
-<file path=customXml/itemProps2.xml><?xml version="1.0" encoding="utf-8"?>
-<ds:datastoreItem xmlns:ds="http://schemas.openxmlformats.org/officeDocument/2006/customXml" ds:itemID="{BCE93D75-22FB-4591-85A9-691A345F2C2A}">
-  <ds:schemaRefs>
-    <ds:schemaRef ds:uri="http://schemas.microsoft.com/office/infopath/2007/PartnerControls"/>
-    <ds:schemaRef ds:uri="7382964a-ab7e-479b-8672-6bc6ddada04b"/>
-    <ds:schemaRef ds:uri="http://purl.org/dc/elements/1.1/"/>
-    <ds:schemaRef ds:uri="http://schemas.microsoft.com/office/2006/metadata/properties"/>
-    <ds:schemaRef ds:uri="http://schemas.microsoft.com/office/2006/documentManagement/types"/>
-    <ds:schemaRef ds:uri="http://purl.org/dc/terms/"/>
-    <ds:schemaRef ds:uri="http://schemas.openxmlformats.org/package/2006/metadata/core-properties"/>
-    <ds:schemaRef ds:uri="http://purl.org/dc/dcmitype/"/>
-    <ds:schemaRef ds:uri="http://www.w3.org/XML/1998/namespace"/>
-  </ds:schemaRefs>
-</ds:datastoreItem>
-</file>
-
 <file path=customXml/itemProps3.xml><?xml version="1.0" encoding="utf-8"?>
 <ds:datastoreItem xmlns:ds="http://schemas.openxmlformats.org/officeDocument/2006/customXml" ds:itemID="{35716B5C-A2BF-4AF0-930F-734369349F6C}">
   <ds:schemaRefs>

--- a/Docs/IA_OneDay_Azure.pptx
+++ b/Docs/IA_OneDay_Azure.pptx
@@ -28,9 +28,9 @@
     <p:sldId id="279" r:id="rId22"/>
     <p:sldId id="303" r:id="rId23"/>
     <p:sldId id="299" r:id="rId24"/>
-    <p:sldId id="300" r:id="rId25"/>
-    <p:sldId id="301" r:id="rId26"/>
-    <p:sldId id="302" r:id="rId27"/>
+    <p:sldId id="302" r:id="rId25"/>
+    <p:sldId id="300" r:id="rId26"/>
+    <p:sldId id="301" r:id="rId27"/>
     <p:sldId id="287" r:id="rId28"/>
     <p:sldId id="304" r:id="rId29"/>
     <p:sldId id="288" r:id="rId30"/>
@@ -723,12 +723,6 @@
           <a:bodyPr/>
           <a:lstStyle/>
           <a:p>
-            <a:r>
-              <a:rPr lang="en-US" dirty="0"/>
-              <a:t>Custom queries against real time logs, visualize data, auto identification of outliers </a:t>
-            </a:r>
-          </a:p>
-          <a:p>
             <a:endParaRPr lang="en-US" dirty="0"/>
           </a:p>
         </p:txBody>
@@ -759,7 +753,7 @@
     </p:spTree>
     <p:extLst>
       <p:ext uri="{BB962C8B-B14F-4D97-AF65-F5344CB8AC3E}">
-        <p14:creationId xmlns:p14="http://schemas.microsoft.com/office/powerpoint/2010/main" val="2697011663"/>
+        <p14:creationId xmlns:p14="http://schemas.microsoft.com/office/powerpoint/2010/main" val="940566210"/>
       </p:ext>
     </p:extLst>
   </p:cSld>
@@ -815,8 +809,11 @@
           <a:p>
             <a:r>
               <a:rPr lang="en-US" dirty="0"/>
-              <a:t>Automatic investigation into what may have caused the issue</a:t>
-            </a:r>
+              <a:t>Custom queries against real time logs, visualize data, auto identification of outliers </a:t>
+            </a:r>
+          </a:p>
+          <a:p>
+            <a:endParaRPr lang="en-US" dirty="0"/>
           </a:p>
         </p:txBody>
       </p:sp>
@@ -846,7 +843,7 @@
     </p:spTree>
     <p:extLst>
       <p:ext uri="{BB962C8B-B14F-4D97-AF65-F5344CB8AC3E}">
-        <p14:creationId xmlns:p14="http://schemas.microsoft.com/office/powerpoint/2010/main" val="3891988100"/>
+        <p14:creationId xmlns:p14="http://schemas.microsoft.com/office/powerpoint/2010/main" val="2697011663"/>
       </p:ext>
     </p:extLst>
   </p:cSld>
@@ -900,7 +897,10 @@
           <a:bodyPr/>
           <a:lstStyle/>
           <a:p>
-            <a:endParaRPr lang="en-US" dirty="0"/>
+            <a:r>
+              <a:rPr lang="en-US" dirty="0"/>
+              <a:t>Automatic investigation into what may have caused the issue</a:t>
+            </a:r>
           </a:p>
         </p:txBody>
       </p:sp>
@@ -930,7 +930,7 @@
     </p:spTree>
     <p:extLst>
       <p:ext uri="{BB962C8B-B14F-4D97-AF65-F5344CB8AC3E}">
-        <p14:creationId xmlns:p14="http://schemas.microsoft.com/office/powerpoint/2010/main" val="940566210"/>
+        <p14:creationId xmlns:p14="http://schemas.microsoft.com/office/powerpoint/2010/main" val="3891988100"/>
       </p:ext>
     </p:extLst>
   </p:cSld>
@@ -1421,6 +1421,27 @@
               <a:t>Don’t really want to spend much time here, more that it is SQL Server in the cloud, and while not everything works the same as SQL on premises it’s not too far off either.</a:t>
             </a:r>
           </a:p>
+          <a:p>
+            <a:endParaRPr lang="en-US" dirty="0"/>
+          </a:p>
+          <a:p>
+            <a:r>
+              <a:rPr lang="en-US" dirty="0"/>
+              <a:t>Additional Links: </a:t>
+            </a:r>
+          </a:p>
+          <a:p>
+            <a:r>
+              <a:rPr lang="en-US" dirty="0"/>
+              <a:t>https://docs.microsoft.com/en-us/azure/sql-database/sql-database-transact-sql-information</a:t>
+            </a:r>
+          </a:p>
+          <a:p>
+            <a:r>
+              <a:rPr lang="en-US" dirty="0"/>
+              <a:t>https://docs.microsoft.com/en-us/azure/sql-database/sql-database-features</a:t>
+            </a:r>
+          </a:p>
         </p:txBody>
       </p:sp>
       <p:sp>
@@ -1505,8 +1526,23 @@
           <a:p>
             <a:r>
               <a:rPr lang="en-US" dirty="0"/>
-              <a:t>Quick example of when each NOSQL options makes the most sense; most of the details here will come in on the demo – scaling, indexing, working with spatial data</a:t>
-            </a:r>
+              <a:t>Document DB API – extensible via JavaScript also supports stored procs, triggers, and UDFs</a:t>
+            </a:r>
+          </a:p>
+          <a:p>
+            <a:r>
+              <a:rPr lang="en-US" dirty="0"/>
+              <a:t>MongoDB – Similar to DB, however directly support most (some) features available in native MongoDB</a:t>
+            </a:r>
+          </a:p>
+          <a:p>
+            <a:r>
+              <a:rPr lang="en-US" dirty="0"/>
+              <a:t>Graph API – High performance searches through relationships</a:t>
+            </a:r>
+          </a:p>
+          <a:p>
+            <a:endParaRPr lang="en-US" dirty="0"/>
           </a:p>
         </p:txBody>
       </p:sp>
@@ -13538,6 +13574,99 @@
           <p:cNvPr id="2" name="Title 1">
             <a:extLst>
               <a:ext uri="{FF2B5EF4-FFF2-40B4-BE49-F238E27FC236}">
+                <a16:creationId xmlns:a16="http://schemas.microsoft.com/office/drawing/2014/main" id="{B80112D7-72C3-443B-8C4A-A4CE04E4CA6B}"/>
+              </a:ext>
+            </a:extLst>
+          </p:cNvPr>
+          <p:cNvSpPr>
+            <a:spLocks noGrp="1"/>
+          </p:cNvSpPr>
+          <p:nvPr>
+            <p:ph type="title"/>
+          </p:nvPr>
+        </p:nvSpPr>
+        <p:spPr/>
+        <p:txBody>
+          <a:bodyPr/>
+          <a:lstStyle/>
+          <a:p>
+            <a:r>
+              <a:rPr lang="en-US" dirty="0"/>
+              <a:t>Application Insights (cont.)</a:t>
+            </a:r>
+          </a:p>
+        </p:txBody>
+      </p:sp>
+      <p:pic>
+        <p:nvPicPr>
+          <p:cNvPr id="4" name="Content Placeholder 3">
+            <a:extLst>
+              <a:ext uri="{FF2B5EF4-FFF2-40B4-BE49-F238E27FC236}">
+                <a16:creationId xmlns:a16="http://schemas.microsoft.com/office/drawing/2014/main" id="{4087A6F5-422B-40C7-A5F8-7564A090BABC}"/>
+              </a:ext>
+            </a:extLst>
+          </p:cNvPr>
+          <p:cNvPicPr>
+            <a:picLocks noGrp="1" noChangeAspect="1"/>
+          </p:cNvPicPr>
+          <p:nvPr>
+            <p:ph idx="1"/>
+          </p:nvPr>
+        </p:nvPicPr>
+        <p:blipFill>
+          <a:blip r:embed="rId3"/>
+          <a:stretch>
+            <a:fillRect/>
+          </a:stretch>
+        </p:blipFill>
+        <p:spPr>
+          <a:xfrm>
+            <a:off x="2706859" y="1223963"/>
+            <a:ext cx="8376895" cy="4875212"/>
+          </a:xfrm>
+          <a:prstGeom prst="rect">
+            <a:avLst/>
+          </a:prstGeom>
+        </p:spPr>
+      </p:pic>
+    </p:spTree>
+    <p:extLst>
+      <p:ext uri="{BB962C8B-B14F-4D97-AF65-F5344CB8AC3E}">
+        <p14:creationId xmlns:p14="http://schemas.microsoft.com/office/powerpoint/2010/main" val="3972802847"/>
+      </p:ext>
+    </p:extLst>
+  </p:cSld>
+  <p:clrMapOvr>
+    <a:masterClrMapping/>
+  </p:clrMapOvr>
+  <p:transition spd="med">
+    <p:pull/>
+  </p:transition>
+</p:sld>
+</file>
+
+<file path=ppt/slides/slide21.xml><?xml version="1.0" encoding="utf-8"?>
+<p:sld xmlns:a="http://schemas.openxmlformats.org/drawingml/2006/main" xmlns:r="http://schemas.openxmlformats.org/officeDocument/2006/relationships" xmlns:p="http://schemas.openxmlformats.org/presentationml/2006/main">
+  <p:cSld>
+    <p:spTree>
+      <p:nvGrpSpPr>
+        <p:cNvPr id="1" name=""/>
+        <p:cNvGrpSpPr/>
+        <p:nvPr/>
+      </p:nvGrpSpPr>
+      <p:grpSpPr>
+        <a:xfrm>
+          <a:off x="0" y="0"/>
+          <a:ext cx="0" cy="0"/>
+          <a:chOff x="0" y="0"/>
+          <a:chExt cx="0" cy="0"/>
+        </a:xfrm>
+      </p:grpSpPr>
+      <p:sp>
+        <p:nvSpPr>
+          <p:cNvPr id="2" name="Title 1">
+            <a:extLst>
+              <a:ext uri="{FF2B5EF4-FFF2-40B4-BE49-F238E27FC236}">
                 <a16:creationId xmlns:a16="http://schemas.microsoft.com/office/drawing/2014/main" id="{2DE04CD3-9E66-4B47-BAEB-311877FF8FD1}"/>
               </a:ext>
             </a:extLst>
@@ -13609,7 +13738,7 @@
 </p:sld>
 </file>
 
-<file path=ppt/slides/slide21.xml><?xml version="1.0" encoding="utf-8"?>
+<file path=ppt/slides/slide22.xml><?xml version="1.0" encoding="utf-8"?>
 <p:sld xmlns:a="http://schemas.openxmlformats.org/drawingml/2006/main" xmlns:r="http://schemas.openxmlformats.org/officeDocument/2006/relationships" xmlns:p="http://schemas.openxmlformats.org/presentationml/2006/main">
   <p:cSld>
     <p:spTree>
@@ -13690,99 +13819,6 @@
     <p:extLst>
       <p:ext uri="{BB962C8B-B14F-4D97-AF65-F5344CB8AC3E}">
         <p14:creationId xmlns:p14="http://schemas.microsoft.com/office/powerpoint/2010/main" val="3730175486"/>
-      </p:ext>
-    </p:extLst>
-  </p:cSld>
-  <p:clrMapOvr>
-    <a:masterClrMapping/>
-  </p:clrMapOvr>
-  <p:transition spd="med">
-    <p:pull/>
-  </p:transition>
-</p:sld>
-</file>
-
-<file path=ppt/slides/slide22.xml><?xml version="1.0" encoding="utf-8"?>
-<p:sld xmlns:a="http://schemas.openxmlformats.org/drawingml/2006/main" xmlns:r="http://schemas.openxmlformats.org/officeDocument/2006/relationships" xmlns:p="http://schemas.openxmlformats.org/presentationml/2006/main">
-  <p:cSld>
-    <p:spTree>
-      <p:nvGrpSpPr>
-        <p:cNvPr id="1" name=""/>
-        <p:cNvGrpSpPr/>
-        <p:nvPr/>
-      </p:nvGrpSpPr>
-      <p:grpSpPr>
-        <a:xfrm>
-          <a:off x="0" y="0"/>
-          <a:ext cx="0" cy="0"/>
-          <a:chOff x="0" y="0"/>
-          <a:chExt cx="0" cy="0"/>
-        </a:xfrm>
-      </p:grpSpPr>
-      <p:sp>
-        <p:nvSpPr>
-          <p:cNvPr id="2" name="Title 1">
-            <a:extLst>
-              <a:ext uri="{FF2B5EF4-FFF2-40B4-BE49-F238E27FC236}">
-                <a16:creationId xmlns:a16="http://schemas.microsoft.com/office/drawing/2014/main" id="{B80112D7-72C3-443B-8C4A-A4CE04E4CA6B}"/>
-              </a:ext>
-            </a:extLst>
-          </p:cNvPr>
-          <p:cNvSpPr>
-            <a:spLocks noGrp="1"/>
-          </p:cNvSpPr>
-          <p:nvPr>
-            <p:ph type="title"/>
-          </p:nvPr>
-        </p:nvSpPr>
-        <p:spPr/>
-        <p:txBody>
-          <a:bodyPr/>
-          <a:lstStyle/>
-          <a:p>
-            <a:r>
-              <a:rPr lang="en-US" dirty="0"/>
-              <a:t>Application Insights (cont.)</a:t>
-            </a:r>
-          </a:p>
-        </p:txBody>
-      </p:sp>
-      <p:pic>
-        <p:nvPicPr>
-          <p:cNvPr id="4" name="Content Placeholder 3">
-            <a:extLst>
-              <a:ext uri="{FF2B5EF4-FFF2-40B4-BE49-F238E27FC236}">
-                <a16:creationId xmlns:a16="http://schemas.microsoft.com/office/drawing/2014/main" id="{4087A6F5-422B-40C7-A5F8-7564A090BABC}"/>
-              </a:ext>
-            </a:extLst>
-          </p:cNvPr>
-          <p:cNvPicPr>
-            <a:picLocks noGrp="1" noChangeAspect="1"/>
-          </p:cNvPicPr>
-          <p:nvPr>
-            <p:ph idx="1"/>
-          </p:nvPr>
-        </p:nvPicPr>
-        <p:blipFill>
-          <a:blip r:embed="rId3"/>
-          <a:stretch>
-            <a:fillRect/>
-          </a:stretch>
-        </p:blipFill>
-        <p:spPr>
-          <a:xfrm>
-            <a:off x="2706859" y="1223963"/>
-            <a:ext cx="8376895" cy="4875212"/>
-          </a:xfrm>
-          <a:prstGeom prst="rect">
-            <a:avLst/>
-          </a:prstGeom>
-        </p:spPr>
-      </p:pic>
-    </p:spTree>
-    <p:extLst>
-      <p:ext uri="{BB962C8B-B14F-4D97-AF65-F5344CB8AC3E}">
-        <p14:creationId xmlns:p14="http://schemas.microsoft.com/office/powerpoint/2010/main" val="3972802847"/>
       </p:ext>
     </p:extLst>
   </p:cSld>
